--- a/FFPM/FFPM 306.pptx
+++ b/FFPM/FFPM 306.pptx
@@ -173,10 +173,9 @@
           <a:lstStyle/>
           <a:p>
             <a:r>
-              <a:rPr lang="fr-FR" smtClean="0"/>
+              <a:rPr lang="fr-FR"/>
               <a:t>Cliquez pour modifier le style du titre</a:t>
             </a:r>
-            <a:endParaRPr lang="fr-FR"/>
           </a:p>
         </p:txBody>
       </p:sp>
@@ -292,10 +291,9 @@
           </a:lstStyle>
           <a:p>
             <a:r>
-              <a:rPr lang="fr-FR" smtClean="0"/>
+              <a:rPr lang="fr-FR"/>
               <a:t>Cliquez pour modifier le style des sous-titres du masque</a:t>
             </a:r>
-            <a:endParaRPr lang="fr-FR"/>
           </a:p>
         </p:txBody>
       </p:sp>
@@ -317,7 +315,7 @@
             <a:fld id="{503CEAC4-F2F8-4A5A-9264-254F23348EFC}" type="datetimeFigureOut">
               <a:rPr lang="fr-FR" smtClean="0"/>
               <a:pPr/>
-              <a:t>04/07/2021</a:t>
+              <a:t>14/05/2023</a:t>
             </a:fld>
             <a:endParaRPr lang="fr-FR"/>
           </a:p>
@@ -407,10 +405,9 @@
           <a:lstStyle/>
           <a:p>
             <a:r>
-              <a:rPr lang="fr-FR" smtClean="0"/>
+              <a:rPr lang="fr-FR"/>
               <a:t>Cliquez pour modifier le style du titre</a:t>
             </a:r>
-            <a:endParaRPr lang="fr-FR"/>
           </a:p>
         </p:txBody>
       </p:sp>
@@ -431,38 +428,37 @@
           <a:p>
             <a:pPr lvl="0"/>
             <a:r>
-              <a:rPr lang="fr-FR" smtClean="0"/>
+              <a:rPr lang="fr-FR"/>
               <a:t>Cliquez pour modifier les styles du texte du masque</a:t>
             </a:r>
           </a:p>
           <a:p>
             <a:pPr lvl="1"/>
             <a:r>
-              <a:rPr lang="fr-FR" smtClean="0"/>
+              <a:rPr lang="fr-FR"/>
               <a:t>Deuxième niveau</a:t>
             </a:r>
           </a:p>
           <a:p>
             <a:pPr lvl="2"/>
             <a:r>
-              <a:rPr lang="fr-FR" smtClean="0"/>
+              <a:rPr lang="fr-FR"/>
               <a:t>Troisième niveau</a:t>
             </a:r>
           </a:p>
           <a:p>
             <a:pPr lvl="3"/>
             <a:r>
-              <a:rPr lang="fr-FR" smtClean="0"/>
+              <a:rPr lang="fr-FR"/>
               <a:t>Quatrième niveau</a:t>
             </a:r>
           </a:p>
           <a:p>
             <a:pPr lvl="4"/>
             <a:r>
-              <a:rPr lang="fr-FR" smtClean="0"/>
+              <a:rPr lang="fr-FR"/>
               <a:t>Cinquième niveau</a:t>
             </a:r>
-            <a:endParaRPr lang="fr-FR"/>
           </a:p>
         </p:txBody>
       </p:sp>
@@ -484,7 +480,7 @@
             <a:fld id="{503CEAC4-F2F8-4A5A-9264-254F23348EFC}" type="datetimeFigureOut">
               <a:rPr lang="fr-FR" smtClean="0"/>
               <a:pPr/>
-              <a:t>04/07/2021</a:t>
+              <a:t>14/05/2023</a:t>
             </a:fld>
             <a:endParaRPr lang="fr-FR"/>
           </a:p>
@@ -579,10 +575,9 @@
           <a:lstStyle/>
           <a:p>
             <a:r>
-              <a:rPr lang="fr-FR" smtClean="0"/>
+              <a:rPr lang="fr-FR"/>
               <a:t>Cliquez pour modifier le style du titre</a:t>
             </a:r>
-            <a:endParaRPr lang="fr-FR"/>
           </a:p>
         </p:txBody>
       </p:sp>
@@ -608,38 +603,37 @@
           <a:p>
             <a:pPr lvl="0"/>
             <a:r>
-              <a:rPr lang="fr-FR" smtClean="0"/>
+              <a:rPr lang="fr-FR"/>
               <a:t>Cliquez pour modifier les styles du texte du masque</a:t>
             </a:r>
           </a:p>
           <a:p>
             <a:pPr lvl="1"/>
             <a:r>
-              <a:rPr lang="fr-FR" smtClean="0"/>
+              <a:rPr lang="fr-FR"/>
               <a:t>Deuxième niveau</a:t>
             </a:r>
           </a:p>
           <a:p>
             <a:pPr lvl="2"/>
             <a:r>
-              <a:rPr lang="fr-FR" smtClean="0"/>
+              <a:rPr lang="fr-FR"/>
               <a:t>Troisième niveau</a:t>
             </a:r>
           </a:p>
           <a:p>
             <a:pPr lvl="3"/>
             <a:r>
-              <a:rPr lang="fr-FR" smtClean="0"/>
+              <a:rPr lang="fr-FR"/>
               <a:t>Quatrième niveau</a:t>
             </a:r>
           </a:p>
           <a:p>
             <a:pPr lvl="4"/>
             <a:r>
-              <a:rPr lang="fr-FR" smtClean="0"/>
+              <a:rPr lang="fr-FR"/>
               <a:t>Cinquième niveau</a:t>
             </a:r>
-            <a:endParaRPr lang="fr-FR"/>
           </a:p>
         </p:txBody>
       </p:sp>
@@ -661,7 +655,7 @@
             <a:fld id="{503CEAC4-F2F8-4A5A-9264-254F23348EFC}" type="datetimeFigureOut">
               <a:rPr lang="fr-FR" smtClean="0"/>
               <a:pPr/>
-              <a:t>04/07/2021</a:t>
+              <a:t>14/05/2023</a:t>
             </a:fld>
             <a:endParaRPr lang="fr-FR"/>
           </a:p>
@@ -751,10 +745,9 @@
           <a:lstStyle/>
           <a:p>
             <a:r>
-              <a:rPr lang="fr-FR" smtClean="0"/>
+              <a:rPr lang="fr-FR"/>
               <a:t>Cliquez pour modifier le style du titre</a:t>
             </a:r>
-            <a:endParaRPr lang="fr-FR"/>
           </a:p>
         </p:txBody>
       </p:sp>
@@ -775,38 +768,37 @@
           <a:p>
             <a:pPr lvl="0"/>
             <a:r>
-              <a:rPr lang="fr-FR" smtClean="0"/>
+              <a:rPr lang="fr-FR"/>
               <a:t>Cliquez pour modifier les styles du texte du masque</a:t>
             </a:r>
           </a:p>
           <a:p>
             <a:pPr lvl="1"/>
             <a:r>
-              <a:rPr lang="fr-FR" smtClean="0"/>
+              <a:rPr lang="fr-FR"/>
               <a:t>Deuxième niveau</a:t>
             </a:r>
           </a:p>
           <a:p>
             <a:pPr lvl="2"/>
             <a:r>
-              <a:rPr lang="fr-FR" smtClean="0"/>
+              <a:rPr lang="fr-FR"/>
               <a:t>Troisième niveau</a:t>
             </a:r>
           </a:p>
           <a:p>
             <a:pPr lvl="3"/>
             <a:r>
-              <a:rPr lang="fr-FR" smtClean="0"/>
+              <a:rPr lang="fr-FR"/>
               <a:t>Quatrième niveau</a:t>
             </a:r>
           </a:p>
           <a:p>
             <a:pPr lvl="4"/>
             <a:r>
-              <a:rPr lang="fr-FR" smtClean="0"/>
+              <a:rPr lang="fr-FR"/>
               <a:t>Cinquième niveau</a:t>
             </a:r>
-            <a:endParaRPr lang="fr-FR"/>
           </a:p>
         </p:txBody>
       </p:sp>
@@ -828,7 +820,7 @@
             <a:fld id="{503CEAC4-F2F8-4A5A-9264-254F23348EFC}" type="datetimeFigureOut">
               <a:rPr lang="fr-FR" smtClean="0"/>
               <a:pPr/>
-              <a:t>04/07/2021</a:t>
+              <a:t>14/05/2023</a:t>
             </a:fld>
             <a:endParaRPr lang="fr-FR"/>
           </a:p>
@@ -927,10 +919,9 @@
           </a:lstStyle>
           <a:p>
             <a:r>
-              <a:rPr lang="fr-FR" smtClean="0"/>
+              <a:rPr lang="fr-FR"/>
               <a:t>Cliquez pour modifier le style du titre</a:t>
             </a:r>
-            <a:endParaRPr lang="fr-FR"/>
           </a:p>
         </p:txBody>
       </p:sp>
@@ -1047,7 +1038,7 @@
           <a:p>
             <a:pPr lvl="0"/>
             <a:r>
-              <a:rPr lang="fr-FR" smtClean="0"/>
+              <a:rPr lang="fr-FR"/>
               <a:t>Cliquez pour modifier les styles du texte du masque</a:t>
             </a:r>
           </a:p>
@@ -1071,7 +1062,7 @@
             <a:fld id="{503CEAC4-F2F8-4A5A-9264-254F23348EFC}" type="datetimeFigureOut">
               <a:rPr lang="fr-FR" smtClean="0"/>
               <a:pPr/>
-              <a:t>04/07/2021</a:t>
+              <a:t>14/05/2023</a:t>
             </a:fld>
             <a:endParaRPr lang="fr-FR"/>
           </a:p>
@@ -1161,10 +1152,9 @@
           <a:lstStyle/>
           <a:p>
             <a:r>
-              <a:rPr lang="fr-FR" smtClean="0"/>
+              <a:rPr lang="fr-FR"/>
               <a:t>Cliquez pour modifier le style du titre</a:t>
             </a:r>
-            <a:endParaRPr lang="fr-FR"/>
           </a:p>
         </p:txBody>
       </p:sp>
@@ -1218,38 +1208,37 @@
           <a:p>
             <a:pPr lvl="0"/>
             <a:r>
-              <a:rPr lang="fr-FR" smtClean="0"/>
+              <a:rPr lang="fr-FR"/>
               <a:t>Cliquez pour modifier les styles du texte du masque</a:t>
             </a:r>
           </a:p>
           <a:p>
             <a:pPr lvl="1"/>
             <a:r>
-              <a:rPr lang="fr-FR" smtClean="0"/>
+              <a:rPr lang="fr-FR"/>
               <a:t>Deuxième niveau</a:t>
             </a:r>
           </a:p>
           <a:p>
             <a:pPr lvl="2"/>
             <a:r>
-              <a:rPr lang="fr-FR" smtClean="0"/>
+              <a:rPr lang="fr-FR"/>
               <a:t>Troisième niveau</a:t>
             </a:r>
           </a:p>
           <a:p>
             <a:pPr lvl="3"/>
             <a:r>
-              <a:rPr lang="fr-FR" smtClean="0"/>
+              <a:rPr lang="fr-FR"/>
               <a:t>Quatrième niveau</a:t>
             </a:r>
           </a:p>
           <a:p>
             <a:pPr lvl="4"/>
             <a:r>
-              <a:rPr lang="fr-FR" smtClean="0"/>
+              <a:rPr lang="fr-FR"/>
               <a:t>Cinquième niveau</a:t>
             </a:r>
-            <a:endParaRPr lang="fr-FR"/>
           </a:p>
         </p:txBody>
       </p:sp>
@@ -1303,38 +1292,37 @@
           <a:p>
             <a:pPr lvl="0"/>
             <a:r>
-              <a:rPr lang="fr-FR" smtClean="0"/>
+              <a:rPr lang="fr-FR"/>
               <a:t>Cliquez pour modifier les styles du texte du masque</a:t>
             </a:r>
           </a:p>
           <a:p>
             <a:pPr lvl="1"/>
             <a:r>
-              <a:rPr lang="fr-FR" smtClean="0"/>
+              <a:rPr lang="fr-FR"/>
               <a:t>Deuxième niveau</a:t>
             </a:r>
           </a:p>
           <a:p>
             <a:pPr lvl="2"/>
             <a:r>
-              <a:rPr lang="fr-FR" smtClean="0"/>
+              <a:rPr lang="fr-FR"/>
               <a:t>Troisième niveau</a:t>
             </a:r>
           </a:p>
           <a:p>
             <a:pPr lvl="3"/>
             <a:r>
-              <a:rPr lang="fr-FR" smtClean="0"/>
+              <a:rPr lang="fr-FR"/>
               <a:t>Quatrième niveau</a:t>
             </a:r>
           </a:p>
           <a:p>
             <a:pPr lvl="4"/>
             <a:r>
-              <a:rPr lang="fr-FR" smtClean="0"/>
+              <a:rPr lang="fr-FR"/>
               <a:t>Cinquième niveau</a:t>
             </a:r>
-            <a:endParaRPr lang="fr-FR"/>
           </a:p>
         </p:txBody>
       </p:sp>
@@ -1356,7 +1344,7 @@
             <a:fld id="{503CEAC4-F2F8-4A5A-9264-254F23348EFC}" type="datetimeFigureOut">
               <a:rPr lang="fr-FR" smtClean="0"/>
               <a:pPr/>
-              <a:t>04/07/2021</a:t>
+              <a:t>14/05/2023</a:t>
             </a:fld>
             <a:endParaRPr lang="fr-FR"/>
           </a:p>
@@ -1455,10 +1443,9 @@
           </a:lstStyle>
           <a:p>
             <a:r>
-              <a:rPr lang="fr-FR" smtClean="0"/>
+              <a:rPr lang="fr-FR"/>
               <a:t>Cliquez pour modifier le style du titre</a:t>
             </a:r>
-            <a:endParaRPr lang="fr-FR"/>
           </a:p>
         </p:txBody>
       </p:sp>
@@ -1521,7 +1508,7 @@
           <a:p>
             <a:pPr lvl="0"/>
             <a:r>
-              <a:rPr lang="fr-FR" smtClean="0"/>
+              <a:rPr lang="fr-FR"/>
               <a:t>Cliquez pour modifier les styles du texte du masque</a:t>
             </a:r>
           </a:p>
@@ -1577,38 +1564,37 @@
           <a:p>
             <a:pPr lvl="0"/>
             <a:r>
-              <a:rPr lang="fr-FR" smtClean="0"/>
+              <a:rPr lang="fr-FR"/>
               <a:t>Cliquez pour modifier les styles du texte du masque</a:t>
             </a:r>
           </a:p>
           <a:p>
             <a:pPr lvl="1"/>
             <a:r>
-              <a:rPr lang="fr-FR" smtClean="0"/>
+              <a:rPr lang="fr-FR"/>
               <a:t>Deuxième niveau</a:t>
             </a:r>
           </a:p>
           <a:p>
             <a:pPr lvl="2"/>
             <a:r>
-              <a:rPr lang="fr-FR" smtClean="0"/>
+              <a:rPr lang="fr-FR"/>
               <a:t>Troisième niveau</a:t>
             </a:r>
           </a:p>
           <a:p>
             <a:pPr lvl="3"/>
             <a:r>
-              <a:rPr lang="fr-FR" smtClean="0"/>
+              <a:rPr lang="fr-FR"/>
               <a:t>Quatrième niveau</a:t>
             </a:r>
           </a:p>
           <a:p>
             <a:pPr lvl="4"/>
             <a:r>
-              <a:rPr lang="fr-FR" smtClean="0"/>
+              <a:rPr lang="fr-FR"/>
               <a:t>Cinquième niveau</a:t>
             </a:r>
-            <a:endParaRPr lang="fr-FR"/>
           </a:p>
         </p:txBody>
       </p:sp>
@@ -1671,7 +1657,7 @@
           <a:p>
             <a:pPr lvl="0"/>
             <a:r>
-              <a:rPr lang="fr-FR" smtClean="0"/>
+              <a:rPr lang="fr-FR"/>
               <a:t>Cliquez pour modifier les styles du texte du masque</a:t>
             </a:r>
           </a:p>
@@ -1727,38 +1713,37 @@
           <a:p>
             <a:pPr lvl="0"/>
             <a:r>
-              <a:rPr lang="fr-FR" smtClean="0"/>
+              <a:rPr lang="fr-FR"/>
               <a:t>Cliquez pour modifier les styles du texte du masque</a:t>
             </a:r>
           </a:p>
           <a:p>
             <a:pPr lvl="1"/>
             <a:r>
-              <a:rPr lang="fr-FR" smtClean="0"/>
+              <a:rPr lang="fr-FR"/>
               <a:t>Deuxième niveau</a:t>
             </a:r>
           </a:p>
           <a:p>
             <a:pPr lvl="2"/>
             <a:r>
-              <a:rPr lang="fr-FR" smtClean="0"/>
+              <a:rPr lang="fr-FR"/>
               <a:t>Troisième niveau</a:t>
             </a:r>
           </a:p>
           <a:p>
             <a:pPr lvl="3"/>
             <a:r>
-              <a:rPr lang="fr-FR" smtClean="0"/>
+              <a:rPr lang="fr-FR"/>
               <a:t>Quatrième niveau</a:t>
             </a:r>
           </a:p>
           <a:p>
             <a:pPr lvl="4"/>
             <a:r>
-              <a:rPr lang="fr-FR" smtClean="0"/>
+              <a:rPr lang="fr-FR"/>
               <a:t>Cinquième niveau</a:t>
             </a:r>
-            <a:endParaRPr lang="fr-FR"/>
           </a:p>
         </p:txBody>
       </p:sp>
@@ -1780,7 +1765,7 @@
             <a:fld id="{503CEAC4-F2F8-4A5A-9264-254F23348EFC}" type="datetimeFigureOut">
               <a:rPr lang="fr-FR" smtClean="0"/>
               <a:pPr/>
-              <a:t>04/07/2021</a:t>
+              <a:t>14/05/2023</a:t>
             </a:fld>
             <a:endParaRPr lang="fr-FR"/>
           </a:p>
@@ -1870,10 +1855,9 @@
           <a:lstStyle/>
           <a:p>
             <a:r>
-              <a:rPr lang="fr-FR" smtClean="0"/>
+              <a:rPr lang="fr-FR"/>
               <a:t>Cliquez pour modifier le style du titre</a:t>
             </a:r>
-            <a:endParaRPr lang="fr-FR"/>
           </a:p>
         </p:txBody>
       </p:sp>
@@ -1895,7 +1879,7 @@
             <a:fld id="{503CEAC4-F2F8-4A5A-9264-254F23348EFC}" type="datetimeFigureOut">
               <a:rPr lang="fr-FR" smtClean="0"/>
               <a:pPr/>
-              <a:t>04/07/2021</a:t>
+              <a:t>14/05/2023</a:t>
             </a:fld>
             <a:endParaRPr lang="fr-FR"/>
           </a:p>
@@ -1987,7 +1971,7 @@
             <a:fld id="{503CEAC4-F2F8-4A5A-9264-254F23348EFC}" type="datetimeFigureOut">
               <a:rPr lang="fr-FR" smtClean="0"/>
               <a:pPr/>
-              <a:t>04/07/2021</a:t>
+              <a:t>14/05/2023</a:t>
             </a:fld>
             <a:endParaRPr lang="fr-FR"/>
           </a:p>
@@ -2086,10 +2070,9 @@
           </a:lstStyle>
           <a:p>
             <a:r>
-              <a:rPr lang="fr-FR" smtClean="0"/>
+              <a:rPr lang="fr-FR"/>
               <a:t>Cliquez pour modifier le style du titre</a:t>
             </a:r>
-            <a:endParaRPr lang="fr-FR"/>
           </a:p>
         </p:txBody>
       </p:sp>
@@ -2143,38 +2126,37 @@
           <a:p>
             <a:pPr lvl="0"/>
             <a:r>
-              <a:rPr lang="fr-FR" smtClean="0"/>
+              <a:rPr lang="fr-FR"/>
               <a:t>Cliquez pour modifier les styles du texte du masque</a:t>
             </a:r>
           </a:p>
           <a:p>
             <a:pPr lvl="1"/>
             <a:r>
-              <a:rPr lang="fr-FR" smtClean="0"/>
+              <a:rPr lang="fr-FR"/>
               <a:t>Deuxième niveau</a:t>
             </a:r>
           </a:p>
           <a:p>
             <a:pPr lvl="2"/>
             <a:r>
-              <a:rPr lang="fr-FR" smtClean="0"/>
+              <a:rPr lang="fr-FR"/>
               <a:t>Troisième niveau</a:t>
             </a:r>
           </a:p>
           <a:p>
             <a:pPr lvl="3"/>
             <a:r>
-              <a:rPr lang="fr-FR" smtClean="0"/>
+              <a:rPr lang="fr-FR"/>
               <a:t>Quatrième niveau</a:t>
             </a:r>
           </a:p>
           <a:p>
             <a:pPr lvl="4"/>
             <a:r>
-              <a:rPr lang="fr-FR" smtClean="0"/>
+              <a:rPr lang="fr-FR"/>
               <a:t>Cinquième niveau</a:t>
             </a:r>
-            <a:endParaRPr lang="fr-FR"/>
           </a:p>
         </p:txBody>
       </p:sp>
@@ -2237,7 +2219,7 @@
           <a:p>
             <a:pPr lvl="0"/>
             <a:r>
-              <a:rPr lang="fr-FR" smtClean="0"/>
+              <a:rPr lang="fr-FR"/>
               <a:t>Cliquez pour modifier les styles du texte du masque</a:t>
             </a:r>
           </a:p>
@@ -2261,7 +2243,7 @@
             <a:fld id="{503CEAC4-F2F8-4A5A-9264-254F23348EFC}" type="datetimeFigureOut">
               <a:rPr lang="fr-FR" smtClean="0"/>
               <a:pPr/>
-              <a:t>04/07/2021</a:t>
+              <a:t>14/05/2023</a:t>
             </a:fld>
             <a:endParaRPr lang="fr-FR"/>
           </a:p>
@@ -2360,10 +2342,9 @@
           </a:lstStyle>
           <a:p>
             <a:r>
-              <a:rPr lang="fr-FR" smtClean="0"/>
+              <a:rPr lang="fr-FR"/>
               <a:t>Cliquez pour modifier le style du titre</a:t>
             </a:r>
-            <a:endParaRPr lang="fr-FR"/>
           </a:p>
         </p:txBody>
       </p:sp>
@@ -2487,7 +2468,7 @@
           <a:p>
             <a:pPr lvl="0"/>
             <a:r>
-              <a:rPr lang="fr-FR" smtClean="0"/>
+              <a:rPr lang="fr-FR"/>
               <a:t>Cliquez pour modifier les styles du texte du masque</a:t>
             </a:r>
           </a:p>
@@ -2511,7 +2492,7 @@
             <a:fld id="{503CEAC4-F2F8-4A5A-9264-254F23348EFC}" type="datetimeFigureOut">
               <a:rPr lang="fr-FR" smtClean="0"/>
               <a:pPr/>
-              <a:t>04/07/2021</a:t>
+              <a:t>14/05/2023</a:t>
             </a:fld>
             <a:endParaRPr lang="fr-FR"/>
           </a:p>
@@ -2616,10 +2597,9 @@
           <a:lstStyle/>
           <a:p>
             <a:r>
-              <a:rPr lang="fr-FR" smtClean="0"/>
+              <a:rPr lang="fr-FR"/>
               <a:t>Cliquez pour modifier le style du titre</a:t>
             </a:r>
-            <a:endParaRPr lang="fr-FR"/>
           </a:p>
         </p:txBody>
       </p:sp>
@@ -2650,38 +2630,37 @@
           <a:p>
             <a:pPr lvl="0"/>
             <a:r>
-              <a:rPr lang="fr-FR" smtClean="0"/>
+              <a:rPr lang="fr-FR"/>
               <a:t>Cliquez pour modifier les styles du texte du masque</a:t>
             </a:r>
           </a:p>
           <a:p>
             <a:pPr lvl="1"/>
             <a:r>
-              <a:rPr lang="fr-FR" smtClean="0"/>
+              <a:rPr lang="fr-FR"/>
               <a:t>Deuxième niveau</a:t>
             </a:r>
           </a:p>
           <a:p>
             <a:pPr lvl="2"/>
             <a:r>
-              <a:rPr lang="fr-FR" smtClean="0"/>
+              <a:rPr lang="fr-FR"/>
               <a:t>Troisième niveau</a:t>
             </a:r>
           </a:p>
           <a:p>
             <a:pPr lvl="3"/>
             <a:r>
-              <a:rPr lang="fr-FR" smtClean="0"/>
+              <a:rPr lang="fr-FR"/>
               <a:t>Quatrième niveau</a:t>
             </a:r>
           </a:p>
           <a:p>
             <a:pPr lvl="4"/>
             <a:r>
-              <a:rPr lang="fr-FR" smtClean="0"/>
+              <a:rPr lang="fr-FR"/>
               <a:t>Cinquième niveau</a:t>
             </a:r>
-            <a:endParaRPr lang="fr-FR"/>
           </a:p>
         </p:txBody>
       </p:sp>
@@ -2721,7 +2700,7 @@
             <a:fld id="{503CEAC4-F2F8-4A5A-9264-254F23348EFC}" type="datetimeFigureOut">
               <a:rPr lang="fr-FR" smtClean="0"/>
               <a:pPr/>
-              <a:t>04/07/2021</a:t>
+              <a:t>14/05/2023</a:t>
             </a:fld>
             <a:endParaRPr lang="fr-FR"/>
           </a:p>
@@ -3115,18 +3094,18 @@
           <a:lstStyle/>
           <a:p>
             <a:r>
-              <a:rPr lang="en-GB" sz="16600" b="1" dirty="0" smtClean="0"/>
+              <a:rPr lang="en-GB" sz="16600" b="1" dirty="0"/>
               <a:t>306</a:t>
             </a:r>
             <a:r>
-              <a:rPr lang="en-GB" sz="6000" b="1" dirty="0" smtClean="0"/>
+              <a:rPr lang="en-GB" sz="6000" b="1" dirty="0"/>
               <a:t> </a:t>
             </a:r>
             <a:br>
-              <a:rPr lang="en-GB" sz="6000" b="1" dirty="0" smtClean="0"/>
+              <a:rPr lang="en-GB" sz="6000" b="1" dirty="0"/>
             </a:br>
             <a:r>
-              <a:rPr lang="en-GB" sz="6000" b="1" i="1" dirty="0" err="1" smtClean="0">
+              <a:rPr lang="en-GB" sz="6000" b="1" i="1" dirty="0" err="1">
                 <a:solidFill>
                   <a:schemeClr val="bg1">
                     <a:lumMod val="50000"/>
@@ -3136,7 +3115,7 @@
               <a:t>Mamafaza</a:t>
             </a:r>
             <a:r>
-              <a:rPr lang="en-GB" sz="6000" b="1" i="1" dirty="0" smtClean="0">
+              <a:rPr lang="en-GB" sz="6000" b="1" i="1" dirty="0">
                 <a:solidFill>
                   <a:schemeClr val="bg1">
                     <a:lumMod val="50000"/>
@@ -3146,7 +3125,7 @@
               <a:t> </a:t>
             </a:r>
             <a:r>
-              <a:rPr lang="en-GB" sz="6000" b="1" i="1" dirty="0" err="1" smtClean="0">
+              <a:rPr lang="en-GB" sz="6000" b="1" i="1" dirty="0" err="1">
                 <a:solidFill>
                   <a:schemeClr val="bg1">
                     <a:lumMod val="50000"/>
@@ -3213,7 +3192,7 @@
           <a:lstStyle/>
           <a:p>
             <a:r>
-              <a:rPr lang="en-GB" sz="8000" b="1" i="1" dirty="0" err="1" smtClean="0">
+              <a:rPr lang="en-GB" sz="8000" b="1" i="1" dirty="0" err="1">
                 <a:effectLst>
                   <a:outerShdw blurRad="38100" dist="38100" dir="2700000" algn="tl">
                     <a:srgbClr val="000000">
@@ -3225,7 +3204,7 @@
               <a:t>Matokia</a:t>
             </a:r>
             <a:r>
-              <a:rPr lang="en-GB" sz="8000" b="1" i="1" dirty="0" smtClean="0">
+              <a:rPr lang="en-GB" sz="8000" b="1" i="1" dirty="0">
                 <a:effectLst>
                   <a:outerShdw blurRad="38100" dist="38100" dir="2700000" algn="tl">
                     <a:srgbClr val="000000">
@@ -3237,7 +3216,7 @@
               <a:t> re,</a:t>
             </a:r>
             <a:br>
-              <a:rPr lang="en-GB" sz="8000" b="1" i="1" dirty="0" smtClean="0">
+              <a:rPr lang="en-GB" sz="8000" b="1" i="1" dirty="0">
                 <a:effectLst>
                   <a:outerShdw blurRad="38100" dist="38100" dir="2700000" algn="tl">
                     <a:srgbClr val="000000">
@@ -3248,7 +3227,7 @@
               </a:rPr>
             </a:br>
             <a:r>
-              <a:rPr lang="en-GB" sz="8000" b="1" i="1" dirty="0" err="1" smtClean="0">
+              <a:rPr lang="en-GB" sz="8000" b="1" i="1" dirty="0" err="1">
                 <a:effectLst>
                   <a:outerShdw blurRad="38100" dist="38100" dir="2700000" algn="tl">
                     <a:srgbClr val="000000">
@@ -3260,7 +3239,7 @@
               <a:t>matokia</a:t>
             </a:r>
             <a:r>
-              <a:rPr lang="en-GB" sz="8000" b="1" i="1" dirty="0" smtClean="0">
+              <a:rPr lang="en-GB" sz="8000" b="1" i="1" dirty="0">
                 <a:effectLst>
                   <a:outerShdw blurRad="38100" dist="38100" dir="2700000" algn="tl">
                     <a:srgbClr val="000000">
@@ -3272,7 +3251,7 @@
               <a:t> re,</a:t>
             </a:r>
             <a:br>
-              <a:rPr lang="en-GB" sz="8000" b="1" i="1" dirty="0" smtClean="0">
+              <a:rPr lang="en-GB" sz="8000" b="1" i="1" dirty="0">
                 <a:effectLst>
                   <a:outerShdw blurRad="38100" dist="38100" dir="2700000" algn="tl">
                     <a:srgbClr val="000000">
@@ -3283,7 +3262,7 @@
               </a:rPr>
             </a:br>
             <a:r>
-              <a:rPr lang="en-GB" sz="8000" b="1" i="1" dirty="0" err="1" smtClean="0">
+              <a:rPr lang="en-GB" sz="8000" b="1" i="1" dirty="0" err="1">
                 <a:effectLst>
                   <a:outerShdw blurRad="38100" dist="38100" dir="2700000" algn="tl">
                     <a:srgbClr val="000000">
@@ -3295,7 +3274,7 @@
               <a:t>Hisy</a:t>
             </a:r>
             <a:r>
-              <a:rPr lang="en-GB" sz="8000" b="1" i="1" dirty="0" smtClean="0">
+              <a:rPr lang="en-GB" sz="8000" b="1" i="1" dirty="0">
                 <a:effectLst>
                   <a:outerShdw blurRad="38100" dist="38100" dir="2700000" algn="tl">
                     <a:srgbClr val="000000">
@@ -3307,7 +3286,7 @@
               <a:t> </a:t>
             </a:r>
             <a:r>
-              <a:rPr lang="en-GB" sz="8000" b="1" i="1" dirty="0" err="1" smtClean="0">
+              <a:rPr lang="en-GB" sz="8000" b="1" i="1" dirty="0" err="1">
                 <a:effectLst>
                   <a:outerShdw blurRad="38100" dist="38100" dir="2700000" algn="tl">
                     <a:srgbClr val="000000">
@@ -3319,7 +3298,7 @@
               <a:t>amboara</a:t>
             </a:r>
             <a:r>
-              <a:rPr lang="en-GB" sz="8000" b="1" i="1" dirty="0" smtClean="0">
+              <a:rPr lang="en-GB" sz="8000" b="1" i="1" dirty="0">
                 <a:effectLst>
                   <a:outerShdw blurRad="38100" dist="38100" dir="2700000" algn="tl">
                     <a:srgbClr val="000000">
@@ -3331,7 +3310,7 @@
               <a:t>,</a:t>
             </a:r>
             <a:br>
-              <a:rPr lang="en-GB" sz="8000" b="1" i="1" dirty="0" smtClean="0">
+              <a:rPr lang="en-GB" sz="8000" b="1" i="1" dirty="0">
                 <a:effectLst>
                   <a:outerShdw blurRad="38100" dist="38100" dir="2700000" algn="tl">
                     <a:srgbClr val="000000">
@@ -3342,7 +3321,7 @@
               </a:rPr>
             </a:br>
             <a:r>
-              <a:rPr lang="en-GB" sz="8000" b="1" i="1" dirty="0" err="1" smtClean="0">
+              <a:rPr lang="en-GB" sz="8000" b="1" i="1" dirty="0" err="1">
                 <a:effectLst>
                   <a:outerShdw blurRad="38100" dist="38100" dir="2700000" algn="tl">
                     <a:srgbClr val="000000">
@@ -3354,7 +3333,7 @@
               <a:t>ho</a:t>
             </a:r>
             <a:r>
-              <a:rPr lang="en-GB" sz="8000" b="1" i="1" dirty="0" smtClean="0">
+              <a:rPr lang="en-GB" sz="8000" b="1" i="1" dirty="0">
                 <a:effectLst>
                   <a:outerShdw blurRad="38100" dist="38100" dir="2700000" algn="tl">
                     <a:srgbClr val="000000">
@@ -3366,7 +3345,7 @@
               <a:t> </a:t>
             </a:r>
             <a:r>
-              <a:rPr lang="en-GB" sz="8000" b="1" i="1" dirty="0" err="1" smtClean="0">
+              <a:rPr lang="en-GB" sz="8000" b="1" i="1" dirty="0" err="1">
                 <a:effectLst>
                   <a:outerShdw blurRad="38100" dist="38100" dir="2700000" algn="tl">
                     <a:srgbClr val="000000">
@@ -3378,7 +3357,7 @@
               <a:t>anao</a:t>
             </a:r>
             <a:r>
-              <a:rPr lang="en-GB" sz="8000" b="1" i="1" dirty="0" smtClean="0">
+              <a:rPr lang="en-GB" sz="8000" b="1" i="1" dirty="0">
                 <a:effectLst>
                   <a:outerShdw blurRad="38100" dist="38100" dir="2700000" algn="tl">
                     <a:srgbClr val="000000">
@@ -3390,7 +3369,7 @@
               <a:t> </a:t>
             </a:r>
             <a:r>
-              <a:rPr lang="en-GB" sz="8000" b="1" i="1" dirty="0" err="1" smtClean="0">
+              <a:rPr lang="en-GB" sz="8000" b="1" i="1" dirty="0" err="1">
                 <a:effectLst>
                   <a:outerShdw blurRad="38100" dist="38100" dir="2700000" algn="tl">
                     <a:srgbClr val="000000">
@@ -3402,7 +3381,7 @@
               <a:t>anie</a:t>
             </a:r>
             <a:r>
-              <a:rPr lang="en-GB" sz="8000" b="1" i="1" dirty="0" smtClean="0">
+              <a:rPr lang="en-GB" sz="8000" b="1" i="1" dirty="0">
                 <a:effectLst>
                   <a:outerShdw blurRad="38100" dist="38100" dir="2700000" algn="tl">
                     <a:srgbClr val="000000">
@@ -3478,80 +3457,64 @@
           <a:lstStyle/>
           <a:p>
             <a:r>
-              <a:rPr lang="en-GB" sz="8800" b="1" smtClean="0"/>
+              <a:rPr lang="en-GB" sz="8800" b="1"/>
               <a:t>4.Miasà </a:t>
             </a:r>
             <a:r>
-              <a:rPr lang="en-GB" sz="8800" b="1" dirty="0" err="1" smtClean="0"/>
+              <a:rPr lang="en-GB" sz="8800" b="1" dirty="0" err="1"/>
               <a:t>sakaiza</a:t>
             </a:r>
-            <a:r>
-              <a:rPr lang="en-GB" sz="8800" b="1" dirty="0" smtClean="0"/>
-              <a:t/>
-            </a:r>
             <a:br>
-              <a:rPr lang="en-GB" sz="8800" b="1" dirty="0" smtClean="0"/>
+              <a:rPr lang="en-GB" sz="8800" b="1" dirty="0"/>
             </a:br>
             <a:r>
               <a:rPr lang="en-GB" sz="8800" b="1" dirty="0" err="1"/>
-              <a:t>M</a:t>
-            </a:r>
-            <a:r>
-              <a:rPr lang="en-GB" sz="8800" b="1" dirty="0" err="1" smtClean="0"/>
-              <a:t>ilofosa</a:t>
-            </a:r>
-            <a:r>
-              <a:rPr lang="en-GB" sz="8800" b="1" dirty="0" smtClean="0"/>
+              <a:t>Milofosa</a:t>
+            </a:r>
+            <a:r>
+              <a:rPr lang="en-GB" sz="8800" b="1" dirty="0"/>
               <a:t> </a:t>
             </a:r>
             <a:r>
-              <a:rPr lang="en-GB" sz="8800" b="1" dirty="0" err="1" smtClean="0"/>
+              <a:rPr lang="en-GB" sz="8800" b="1" dirty="0" err="1"/>
               <a:t>tsara</a:t>
             </a:r>
-            <a:r>
-              <a:rPr lang="en-GB" sz="8800" b="1" dirty="0" smtClean="0"/>
-              <a:t/>
-            </a:r>
             <a:br>
-              <a:rPr lang="en-GB" sz="8800" b="1" dirty="0" smtClean="0"/>
+              <a:rPr lang="en-GB" sz="8800" b="1" dirty="0"/>
             </a:br>
             <a:r>
-              <a:rPr lang="en-GB" sz="8800" b="1" dirty="0" err="1" smtClean="0"/>
+              <a:rPr lang="en-GB" sz="8800" b="1" dirty="0" err="1"/>
               <a:t>Dieny</a:t>
             </a:r>
             <a:r>
-              <a:rPr lang="en-GB" sz="8800" b="1" dirty="0" smtClean="0"/>
+              <a:rPr lang="en-GB" sz="8800" b="1" dirty="0"/>
               <a:t> </a:t>
             </a:r>
             <a:r>
-              <a:rPr lang="en-GB" sz="8800" b="1" dirty="0" err="1" smtClean="0"/>
+              <a:rPr lang="en-GB" sz="8800" b="1" dirty="0" err="1"/>
               <a:t>misy</a:t>
             </a:r>
             <a:r>
-              <a:rPr lang="en-GB" sz="8800" b="1" dirty="0" smtClean="0"/>
+              <a:rPr lang="en-GB" sz="8800" b="1" dirty="0"/>
               <a:t> </a:t>
             </a:r>
             <a:r>
-              <a:rPr lang="en-GB" sz="8800" b="1" dirty="0" err="1" smtClean="0"/>
+              <a:rPr lang="en-GB" sz="8800" b="1" dirty="0" err="1"/>
               <a:t>asa</a:t>
             </a:r>
-            <a:r>
-              <a:rPr lang="en-GB" sz="8800" b="1" dirty="0" smtClean="0"/>
-              <a:t/>
-            </a:r>
             <a:br>
-              <a:rPr lang="en-GB" sz="8800" b="1" dirty="0" smtClean="0"/>
+              <a:rPr lang="en-GB" sz="8800" b="1" dirty="0"/>
             </a:br>
             <a:r>
-              <a:rPr lang="en-GB" sz="8800" b="1" dirty="0" err="1" smtClean="0"/>
+              <a:rPr lang="en-GB" sz="8800" b="1" dirty="0" err="1"/>
               <a:t>Azonao</a:t>
             </a:r>
             <a:r>
-              <a:rPr lang="en-GB" sz="8800" b="1" dirty="0" smtClean="0"/>
+              <a:rPr lang="en-GB" sz="8800" b="1" dirty="0"/>
               <a:t> </a:t>
             </a:r>
             <a:r>
-              <a:rPr lang="en-GB" sz="8800" b="1" dirty="0" err="1" smtClean="0"/>
+              <a:rPr lang="en-GB" sz="8800" b="1" dirty="0" err="1"/>
               <a:t>atao</a:t>
             </a:r>
             <a:endParaRPr lang="fr-FR" sz="8800" b="1" dirty="0"/>
@@ -3622,24 +3585,16 @@
               <a:rPr lang="en-GB" sz="8000" b="1" dirty="0" err="1"/>
               <a:t>sao</a:t>
             </a:r>
-            <a:r>
-              <a:rPr lang="fr-FR" sz="8000" b="1" dirty="0"/>
-              <a:t/>
-            </a:r>
             <a:br>
               <a:rPr lang="fr-FR" sz="8000" b="1" dirty="0"/>
             </a:br>
             <a:r>
-              <a:rPr lang="en-GB" sz="8000" b="1" dirty="0" err="1" smtClean="0"/>
+              <a:rPr lang="en-GB" sz="8000" b="1" dirty="0" err="1"/>
               <a:t>tsy</a:t>
             </a:r>
             <a:r>
-              <a:rPr lang="en-GB" sz="8000" b="1" dirty="0" smtClean="0"/>
-              <a:t> </a:t>
-            </a:r>
-            <a:r>
               <a:rPr lang="en-GB" sz="8000" b="1" dirty="0"/>
-              <a:t>vita </a:t>
+              <a:t> vita </a:t>
             </a:r>
             <a:r>
               <a:rPr lang="en-GB" sz="8000" b="1" dirty="0" err="1"/>
@@ -3652,43 +3607,35 @@
             <a:r>
               <a:rPr lang="en-GB" sz="8000" b="1" dirty="0" err="1"/>
               <a:t>anjara</a:t>
-            </a:r>
-            <a:r>
-              <a:rPr lang="fr-FR" sz="8000" b="1" dirty="0"/>
-              <a:t/>
             </a:r>
             <a:br>
               <a:rPr lang="fr-FR" sz="8000" b="1" dirty="0"/>
             </a:br>
             <a:r>
-              <a:rPr lang="en-GB" sz="8000" b="1" i="1" dirty="0" err="1" smtClean="0"/>
+              <a:rPr lang="en-GB" sz="8000" b="1" i="1" dirty="0" err="1"/>
               <a:t>I</a:t>
             </a:r>
             <a:r>
-              <a:rPr lang="en-GB" sz="8000" b="1" dirty="0" err="1" smtClean="0"/>
+              <a:rPr lang="en-GB" sz="8000" b="1" dirty="0" err="1"/>
               <a:t>zay</a:t>
             </a:r>
             <a:r>
-              <a:rPr lang="en-GB" sz="8000" b="1" dirty="0" smtClean="0"/>
+              <a:rPr lang="en-GB" sz="8000" b="1" dirty="0"/>
               <a:t> </a:t>
             </a:r>
             <a:r>
               <a:rPr lang="en-GB" sz="8000" b="1" dirty="0" err="1"/>
               <a:t>napetraky</a:t>
-            </a:r>
-            <a:r>
-              <a:rPr lang="fr-FR" sz="8000" b="1" dirty="0"/>
-              <a:t/>
             </a:r>
             <a:br>
               <a:rPr lang="fr-FR" sz="8000" b="1" dirty="0"/>
             </a:br>
             <a:r>
-              <a:rPr lang="en-GB" sz="8000" b="1" dirty="0" err="1" smtClean="0"/>
+              <a:rPr lang="en-GB" sz="8000" b="1" dirty="0" err="1"/>
               <a:t>ny</a:t>
             </a:r>
             <a:r>
-              <a:rPr lang="en-GB" sz="8000" b="1" dirty="0" smtClean="0"/>
+              <a:rPr lang="en-GB" sz="8000" b="1" dirty="0"/>
               <a:t> </a:t>
             </a:r>
             <a:r>
@@ -3762,10 +3709,7 @@
           <a:lstStyle/>
           <a:p>
             <a:r>
-              <a:rPr lang="en-GB" sz="8000" b="1" i="1" dirty="0" err="1" smtClean="0">
-                <a:solidFill>
-                  <a:srgbClr val="FF0000"/>
-                </a:solidFill>
+              <a:rPr lang="en-GB" sz="8000" b="1" i="1" dirty="0" err="1">
                 <a:effectLst>
                   <a:outerShdw blurRad="38100" dist="38100" dir="2700000" algn="tl">
                     <a:srgbClr val="000000">
@@ -3777,10 +3721,7 @@
               <a:t>Matokia</a:t>
             </a:r>
             <a:r>
-              <a:rPr lang="en-GB" sz="8000" b="1" i="1" dirty="0" smtClean="0">
-                <a:solidFill>
-                  <a:srgbClr val="FF0000"/>
-                </a:solidFill>
+              <a:rPr lang="en-GB" sz="8000" b="1" i="1" dirty="0">
                 <a:effectLst>
                   <a:outerShdw blurRad="38100" dist="38100" dir="2700000" algn="tl">
                     <a:srgbClr val="000000">
@@ -3792,10 +3733,7 @@
               <a:t> re,</a:t>
             </a:r>
             <a:br>
-              <a:rPr lang="en-GB" sz="8000" b="1" i="1" dirty="0" smtClean="0">
-                <a:solidFill>
-                  <a:srgbClr val="FF0000"/>
-                </a:solidFill>
+              <a:rPr lang="en-GB" sz="8000" b="1" i="1" dirty="0">
                 <a:effectLst>
                   <a:outerShdw blurRad="38100" dist="38100" dir="2700000" algn="tl">
                     <a:srgbClr val="000000">
@@ -3806,10 +3744,7 @@
               </a:rPr>
             </a:br>
             <a:r>
-              <a:rPr lang="en-GB" sz="8000" b="1" i="1" dirty="0" err="1" smtClean="0">
-                <a:solidFill>
-                  <a:srgbClr val="FF0000"/>
-                </a:solidFill>
+              <a:rPr lang="en-GB" sz="8000" b="1" i="1" dirty="0" err="1">
                 <a:effectLst>
                   <a:outerShdw blurRad="38100" dist="38100" dir="2700000" algn="tl">
                     <a:srgbClr val="000000">
@@ -3821,10 +3756,7 @@
               <a:t>matokia</a:t>
             </a:r>
             <a:r>
-              <a:rPr lang="en-GB" sz="8000" b="1" i="1" dirty="0" smtClean="0">
-                <a:solidFill>
-                  <a:srgbClr val="FF0000"/>
-                </a:solidFill>
+              <a:rPr lang="en-GB" sz="8000" b="1" i="1" dirty="0">
                 <a:effectLst>
                   <a:outerShdw blurRad="38100" dist="38100" dir="2700000" algn="tl">
                     <a:srgbClr val="000000">
@@ -3836,10 +3768,7 @@
               <a:t> re,</a:t>
             </a:r>
             <a:br>
-              <a:rPr lang="en-GB" sz="8000" b="1" i="1" dirty="0" smtClean="0">
-                <a:solidFill>
-                  <a:srgbClr val="FF0000"/>
-                </a:solidFill>
+              <a:rPr lang="en-GB" sz="8000" b="1" i="1" dirty="0">
                 <a:effectLst>
                   <a:outerShdw blurRad="38100" dist="38100" dir="2700000" algn="tl">
                     <a:srgbClr val="000000">
@@ -3850,10 +3779,7 @@
               </a:rPr>
             </a:br>
             <a:r>
-              <a:rPr lang="en-GB" sz="8000" b="1" i="1" dirty="0" err="1" smtClean="0">
-                <a:solidFill>
-                  <a:srgbClr val="FF0000"/>
-                </a:solidFill>
+              <a:rPr lang="en-GB" sz="8000" b="1" i="1" dirty="0" err="1">
                 <a:effectLst>
                   <a:outerShdw blurRad="38100" dist="38100" dir="2700000" algn="tl">
                     <a:srgbClr val="000000">
@@ -3865,10 +3791,7 @@
               <a:t>Hisy</a:t>
             </a:r>
             <a:r>
-              <a:rPr lang="en-GB" sz="8000" b="1" i="1" dirty="0" smtClean="0">
-                <a:solidFill>
-                  <a:srgbClr val="FF0000"/>
-                </a:solidFill>
+              <a:rPr lang="en-GB" sz="8000" b="1" i="1" dirty="0">
                 <a:effectLst>
                   <a:outerShdw blurRad="38100" dist="38100" dir="2700000" algn="tl">
                     <a:srgbClr val="000000">
@@ -3880,10 +3803,7 @@
               <a:t> </a:t>
             </a:r>
             <a:r>
-              <a:rPr lang="en-GB" sz="8000" b="1" i="1" dirty="0" err="1" smtClean="0">
-                <a:solidFill>
-                  <a:srgbClr val="FF0000"/>
-                </a:solidFill>
+              <a:rPr lang="en-GB" sz="8000" b="1" i="1" dirty="0" err="1">
                 <a:effectLst>
                   <a:outerShdw blurRad="38100" dist="38100" dir="2700000" algn="tl">
                     <a:srgbClr val="000000">
@@ -3895,10 +3815,7 @@
               <a:t>amboara</a:t>
             </a:r>
             <a:r>
-              <a:rPr lang="en-GB" sz="8000" b="1" i="1" dirty="0" smtClean="0">
-                <a:solidFill>
-                  <a:srgbClr val="FF0000"/>
-                </a:solidFill>
+              <a:rPr lang="en-GB" sz="8000" b="1" i="1" dirty="0">
                 <a:effectLst>
                   <a:outerShdw blurRad="38100" dist="38100" dir="2700000" algn="tl">
                     <a:srgbClr val="000000">
@@ -3910,10 +3827,7 @@
               <a:t>,</a:t>
             </a:r>
             <a:br>
-              <a:rPr lang="en-GB" sz="8000" b="1" i="1" dirty="0" smtClean="0">
-                <a:solidFill>
-                  <a:srgbClr val="FF0000"/>
-                </a:solidFill>
+              <a:rPr lang="en-GB" sz="8000" b="1" i="1" dirty="0">
                 <a:effectLst>
                   <a:outerShdw blurRad="38100" dist="38100" dir="2700000" algn="tl">
                     <a:srgbClr val="000000">
@@ -3924,10 +3838,7 @@
               </a:rPr>
             </a:br>
             <a:r>
-              <a:rPr lang="en-GB" sz="8000" b="1" i="1" dirty="0" err="1" smtClean="0">
-                <a:solidFill>
-                  <a:srgbClr val="FF0000"/>
-                </a:solidFill>
+              <a:rPr lang="en-GB" sz="8000" b="1" i="1" dirty="0" err="1">
                 <a:effectLst>
                   <a:outerShdw blurRad="38100" dist="38100" dir="2700000" algn="tl">
                     <a:srgbClr val="000000">
@@ -3939,10 +3850,7 @@
               <a:t>ho</a:t>
             </a:r>
             <a:r>
-              <a:rPr lang="en-GB" sz="8000" b="1" i="1" dirty="0" smtClean="0">
-                <a:solidFill>
-                  <a:srgbClr val="FF0000"/>
-                </a:solidFill>
+              <a:rPr lang="en-GB" sz="8000" b="1" i="1" dirty="0">
                 <a:effectLst>
                   <a:outerShdw blurRad="38100" dist="38100" dir="2700000" algn="tl">
                     <a:srgbClr val="000000">
@@ -3954,10 +3862,7 @@
               <a:t> </a:t>
             </a:r>
             <a:r>
-              <a:rPr lang="en-GB" sz="8000" b="1" i="1" dirty="0" err="1" smtClean="0">
-                <a:solidFill>
-                  <a:srgbClr val="FF0000"/>
-                </a:solidFill>
+              <a:rPr lang="en-GB" sz="8000" b="1" i="1" dirty="0" err="1">
                 <a:effectLst>
                   <a:outerShdw blurRad="38100" dist="38100" dir="2700000" algn="tl">
                     <a:srgbClr val="000000">
@@ -3969,10 +3874,7 @@
               <a:t>anao</a:t>
             </a:r>
             <a:r>
-              <a:rPr lang="en-GB" sz="8000" b="1" i="1" dirty="0" smtClean="0">
-                <a:solidFill>
-                  <a:srgbClr val="FF0000"/>
-                </a:solidFill>
+              <a:rPr lang="en-GB" sz="8000" b="1" i="1" dirty="0">
                 <a:effectLst>
                   <a:outerShdw blurRad="38100" dist="38100" dir="2700000" algn="tl">
                     <a:srgbClr val="000000">
@@ -3984,10 +3886,7 @@
               <a:t> </a:t>
             </a:r>
             <a:r>
-              <a:rPr lang="en-GB" sz="8000" b="1" i="1" dirty="0" err="1" smtClean="0">
-                <a:solidFill>
-                  <a:srgbClr val="FF0000"/>
-                </a:solidFill>
+              <a:rPr lang="en-GB" sz="8000" b="1" i="1" dirty="0" err="1">
                 <a:effectLst>
                   <a:outerShdw blurRad="38100" dist="38100" dir="2700000" algn="tl">
                     <a:srgbClr val="000000">
@@ -3999,10 +3898,7 @@
               <a:t>anie</a:t>
             </a:r>
             <a:r>
-              <a:rPr lang="en-GB" sz="8000" b="1" i="1" dirty="0" smtClean="0">
-                <a:solidFill>
-                  <a:srgbClr val="FF0000"/>
-                </a:solidFill>
+              <a:rPr lang="en-GB" sz="8000" b="1" i="1" dirty="0">
                 <a:effectLst>
                   <a:outerShdw blurRad="38100" dist="38100" dir="2700000" algn="tl">
                     <a:srgbClr val="000000">
@@ -4014,9 +3910,6 @@
               <a:t> !</a:t>
             </a:r>
             <a:endParaRPr lang="fr-FR" sz="8000" b="1" i="1" dirty="0">
-              <a:solidFill>
-                <a:srgbClr val="FF0000"/>
-              </a:solidFill>
               <a:effectLst>
                 <a:outerShdw blurRad="38100" dist="38100" dir="2700000" algn="tl">
                   <a:srgbClr val="000000">
@@ -4080,174 +3973,154 @@
           </a:bodyPr>
           <a:lstStyle/>
           <a:p>
-            <a:r>
-              <a:rPr lang="en-GB" dirty="0" smtClean="0"/>
-              <a:t/>
-            </a:r>
             <a:br>
-              <a:rPr lang="en-GB" dirty="0" smtClean="0"/>
+              <a:rPr lang="en-GB" dirty="0"/>
             </a:br>
-            <a:r>
-              <a:rPr lang="en-GB" dirty="0" smtClean="0"/>
-              <a:t/>
-            </a:r>
             <a:br>
-              <a:rPr lang="en-GB" dirty="0" smtClean="0"/>
+              <a:rPr lang="en-GB" dirty="0"/>
             </a:br>
             <a:r>
-              <a:rPr lang="en-GB" dirty="0" smtClean="0"/>
+              <a:rPr lang="en-GB" dirty="0"/>
               <a:t>   </a:t>
             </a:r>
             <a:br>
-              <a:rPr lang="en-GB" dirty="0" smtClean="0"/>
+              <a:rPr lang="en-GB" dirty="0"/>
             </a:br>
             <a:r>
-              <a:rPr lang="en-GB" dirty="0" smtClean="0"/>
+              <a:rPr lang="en-GB" dirty="0"/>
               <a:t> </a:t>
             </a:r>
             <a:br>
-              <a:rPr lang="en-GB" dirty="0" smtClean="0"/>
+              <a:rPr lang="en-GB" dirty="0"/>
             </a:br>
             <a:r>
-              <a:rPr lang="en-GB" sz="8000" b="1" dirty="0" smtClean="0"/>
+              <a:rPr lang="en-GB" sz="8000" b="1" dirty="0"/>
               <a:t>1 .</a:t>
             </a:r>
             <a:r>
-              <a:rPr lang="en-GB" sz="8000" b="1" dirty="0" err="1" smtClean="0"/>
+              <a:rPr lang="en-GB" sz="8000" b="1" dirty="0" err="1"/>
               <a:t>Mamafaza</a:t>
             </a:r>
             <a:r>
-              <a:rPr lang="en-GB" sz="8000" b="1" dirty="0" smtClean="0"/>
+              <a:rPr lang="en-GB" sz="8000" b="1" dirty="0"/>
               <a:t> </a:t>
             </a:r>
             <a:r>
-              <a:rPr lang="en-GB" sz="8000" b="1" dirty="0" err="1" smtClean="0"/>
+              <a:rPr lang="en-GB" sz="8000" b="1" dirty="0" err="1"/>
               <a:t>voa</a:t>
             </a:r>
             <a:r>
-              <a:rPr lang="en-GB" sz="8000" b="1" dirty="0" smtClean="0"/>
+              <a:rPr lang="en-GB" sz="8000" b="1" dirty="0"/>
               <a:t>,</a:t>
             </a:r>
             <a:br>
-              <a:rPr lang="en-GB" sz="8000" b="1" dirty="0" smtClean="0"/>
+              <a:rPr lang="en-GB" sz="8000" b="1" dirty="0"/>
             </a:br>
             <a:r>
-              <a:rPr lang="en-GB" sz="8000" b="1" dirty="0" err="1" smtClean="0"/>
+              <a:rPr lang="en-GB" sz="8000" b="1" dirty="0" err="1"/>
               <a:t>k</a:t>
             </a:r>
             <a:r>
-              <a:rPr lang="en-GB" sz="8000" b="1" i="1" dirty="0" err="1" smtClean="0"/>
+              <a:rPr lang="en-GB" sz="8000" b="1" i="1" dirty="0" err="1"/>
               <a:t>a</a:t>
             </a:r>
             <a:r>
-              <a:rPr lang="en-GB" sz="8000" b="1" dirty="0" smtClean="0"/>
+              <a:rPr lang="en-GB" sz="8000" b="1" dirty="0"/>
               <a:t>  </a:t>
             </a:r>
             <a:r>
-              <a:rPr lang="en-GB" sz="8000" b="1" dirty="0" err="1" smtClean="0"/>
+              <a:rPr lang="en-GB" sz="8000" b="1" dirty="0" err="1"/>
               <a:t>aza</a:t>
             </a:r>
             <a:r>
-              <a:rPr lang="en-GB" sz="8000" b="1" dirty="0" smtClean="0"/>
+              <a:rPr lang="en-GB" sz="8000" b="1" dirty="0"/>
               <a:t> </a:t>
             </a:r>
             <a:r>
-              <a:rPr lang="en-GB" sz="8000" b="1" dirty="0" err="1" smtClean="0"/>
+              <a:rPr lang="en-GB" sz="8000" b="1" dirty="0" err="1"/>
               <a:t>mba</a:t>
             </a:r>
             <a:r>
-              <a:rPr lang="en-GB" sz="8000" b="1" dirty="0" smtClean="0"/>
+              <a:rPr lang="en-GB" sz="8000" b="1" dirty="0"/>
               <a:t> </a:t>
             </a:r>
             <a:r>
-              <a:rPr lang="en-GB" sz="8000" b="1" dirty="0" err="1" smtClean="0"/>
+              <a:rPr lang="en-GB" sz="8000" b="1" dirty="0" err="1"/>
               <a:t>malaina</a:t>
             </a:r>
-            <a:r>
-              <a:rPr lang="en-GB" sz="8000" b="1" dirty="0" smtClean="0"/>
-              <a:t/>
-            </a:r>
             <a:br>
-              <a:rPr lang="en-GB" sz="8000" b="1" dirty="0" smtClean="0"/>
+              <a:rPr lang="en-GB" sz="8000" b="1" dirty="0"/>
             </a:br>
             <a:r>
-              <a:rPr lang="en-GB" sz="8000" b="1" dirty="0" err="1" smtClean="0"/>
+              <a:rPr lang="en-GB" sz="8000" b="1" dirty="0" err="1"/>
               <a:t>Fa</a:t>
             </a:r>
             <a:r>
-              <a:rPr lang="en-GB" sz="8000" b="1" dirty="0" smtClean="0"/>
+              <a:rPr lang="en-GB" sz="8000" b="1" dirty="0"/>
               <a:t> </a:t>
             </a:r>
             <a:r>
-              <a:rPr lang="en-GB" sz="8000" b="1" dirty="0" err="1" smtClean="0"/>
+              <a:rPr lang="en-GB" sz="8000" b="1" dirty="0" err="1"/>
               <a:t>tsy</a:t>
             </a:r>
             <a:r>
-              <a:rPr lang="en-GB" sz="8000" b="1" dirty="0" smtClean="0"/>
+              <a:rPr lang="en-GB" sz="8000" b="1" dirty="0"/>
               <a:t> </a:t>
             </a:r>
             <a:r>
-              <a:rPr lang="en-GB" sz="8000" b="1" dirty="0" err="1" smtClean="0"/>
+              <a:rPr lang="en-GB" sz="8000" b="1" dirty="0" err="1"/>
               <a:t>fantatrao</a:t>
             </a:r>
             <a:r>
-              <a:rPr lang="en-GB" sz="8000" b="1" dirty="0" smtClean="0"/>
+              <a:rPr lang="en-GB" sz="8000" b="1" dirty="0"/>
               <a:t> re</a:t>
             </a:r>
             <a:br>
-              <a:rPr lang="en-GB" sz="8000" b="1" dirty="0" smtClean="0"/>
+              <a:rPr lang="en-GB" sz="8000" b="1" dirty="0"/>
             </a:br>
             <a:r>
-              <a:rPr lang="en-GB" sz="8000" b="1" i="1" dirty="0" err="1" smtClean="0"/>
+              <a:rPr lang="en-GB" sz="8000" b="1" i="1" dirty="0" err="1"/>
               <a:t>i</a:t>
             </a:r>
             <a:r>
-              <a:rPr lang="en-GB" sz="8000" b="1" dirty="0" err="1" smtClean="0"/>
+              <a:rPr lang="en-GB" sz="8000" b="1" dirty="0" err="1"/>
               <a:t>zay</a:t>
             </a:r>
             <a:r>
-              <a:rPr lang="en-GB" sz="8000" b="1" dirty="0" smtClean="0"/>
+              <a:rPr lang="en-GB" sz="8000" b="1" dirty="0"/>
               <a:t> </a:t>
             </a:r>
             <a:r>
-              <a:rPr lang="en-GB" sz="8000" b="1" dirty="0" err="1" smtClean="0"/>
+              <a:rPr lang="en-GB" sz="8000" b="1" dirty="0" err="1"/>
               <a:t>ho</a:t>
             </a:r>
             <a:r>
-              <a:rPr lang="en-GB" sz="8000" b="1" dirty="0" smtClean="0"/>
+              <a:rPr lang="en-GB" sz="8000" b="1" dirty="0"/>
               <a:t> </a:t>
             </a:r>
             <a:r>
-              <a:rPr lang="en-GB" sz="8000" b="1" dirty="0" err="1" smtClean="0"/>
+              <a:rPr lang="en-GB" sz="8000" b="1" dirty="0" err="1"/>
               <a:t>vanona</a:t>
             </a:r>
             <a:r>
-              <a:rPr lang="en-GB" dirty="0" smtClean="0"/>
+              <a:rPr lang="en-GB" dirty="0"/>
               <a:t> </a:t>
             </a:r>
             <a:br>
-              <a:rPr lang="en-GB" dirty="0" smtClean="0"/>
+              <a:rPr lang="en-GB" dirty="0"/>
             </a:br>
-            <a:r>
-              <a:rPr lang="en-GB" dirty="0" smtClean="0"/>
-              <a:t/>
-            </a:r>
             <a:br>
-              <a:rPr lang="en-GB" dirty="0" smtClean="0"/>
+              <a:rPr lang="en-GB" dirty="0"/>
             </a:br>
-            <a:r>
-              <a:rPr lang="en-GB" dirty="0" smtClean="0"/>
-              <a:t/>
-            </a:r>
             <a:br>
-              <a:rPr lang="en-GB" dirty="0" smtClean="0"/>
+              <a:rPr lang="en-GB" dirty="0"/>
             </a:br>
             <a:r>
-              <a:rPr lang="en-GB" dirty="0" smtClean="0"/>
+              <a:rPr lang="en-GB" dirty="0"/>
               <a:t>        </a:t>
             </a:r>
             <a:br>
-              <a:rPr lang="en-GB" dirty="0" smtClean="0"/>
+              <a:rPr lang="en-GB" dirty="0"/>
             </a:br>
             <a:endParaRPr lang="fr-FR" dirty="0"/>
           </a:p>
@@ -4258,13 +4131,6 @@
   <p:clrMapOvr>
     <a:masterClrMapping/>
   </p:clrMapOvr>
-  <p:timing>
-    <p:tnLst>
-      <p:par>
-        <p:cTn id="1" dur="indefinite" restart="never" nodeType="tmRoot"/>
-      </p:par>
-    </p:tnLst>
-  </p:timing>
 </p:sld>
 </file>
 
@@ -4308,100 +4174,96 @@
           <a:lstStyle/>
           <a:p>
             <a:r>
-              <a:rPr lang="en-GB" sz="7200" b="1" dirty="0" smtClean="0"/>
+              <a:rPr lang="en-GB" sz="7200" b="1" dirty="0"/>
               <a:t>N</a:t>
             </a:r>
             <a:r>
-              <a:rPr lang="en-GB" sz="7200" b="1" i="1" dirty="0" smtClean="0"/>
+              <a:rPr lang="en-GB" sz="7200" b="1" i="1" dirty="0"/>
               <a:t>a</a:t>
             </a:r>
             <a:r>
-              <a:rPr lang="en-GB" sz="7200" b="1" dirty="0" smtClean="0"/>
+              <a:rPr lang="en-GB" sz="7200" b="1" dirty="0"/>
               <a:t>  </a:t>
             </a:r>
             <a:r>
-              <a:rPr lang="en-GB" sz="7200" b="1" dirty="0" err="1" smtClean="0"/>
+              <a:rPr lang="en-GB" sz="7200" b="1" dirty="0" err="1"/>
               <a:t>amin’ny</a:t>
             </a:r>
             <a:r>
-              <a:rPr lang="en-GB" sz="7200" b="1" dirty="0" smtClean="0"/>
+              <a:rPr lang="en-GB" sz="7200" b="1" dirty="0"/>
               <a:t> </a:t>
             </a:r>
             <a:r>
-              <a:rPr lang="en-GB" sz="7200" b="1" dirty="0" err="1" smtClean="0"/>
+              <a:rPr lang="en-GB" sz="7200" b="1" dirty="0" err="1"/>
               <a:t>hariva</a:t>
             </a:r>
             <a:r>
-              <a:rPr lang="en-GB" sz="7200" b="1" dirty="0" smtClean="0"/>
+              <a:rPr lang="en-GB" sz="7200" b="1" dirty="0"/>
               <a:t>,</a:t>
             </a:r>
             <a:br>
-              <a:rPr lang="en-GB" sz="7200" b="1" dirty="0" smtClean="0"/>
+              <a:rPr lang="en-GB" sz="7200" b="1" dirty="0"/>
             </a:br>
             <a:r>
-              <a:rPr lang="en-GB" sz="7200" b="1" dirty="0" err="1" smtClean="0"/>
+              <a:rPr lang="en-GB" sz="7200" b="1" dirty="0" err="1"/>
               <a:t>n</a:t>
             </a:r>
             <a:r>
-              <a:rPr lang="en-GB" sz="7200" b="1" i="1" dirty="0" err="1" smtClean="0"/>
+              <a:rPr lang="en-GB" sz="7200" b="1" i="1" dirty="0" err="1"/>
               <a:t>a</a:t>
             </a:r>
             <a:r>
-              <a:rPr lang="en-GB" sz="7200" b="1" dirty="0" smtClean="0"/>
+              <a:rPr lang="en-GB" sz="7200" b="1" dirty="0"/>
               <a:t>  </a:t>
             </a:r>
             <a:r>
-              <a:rPr lang="en-GB" sz="7200" b="1" dirty="0" err="1" smtClean="0"/>
+              <a:rPr lang="en-GB" sz="7200" b="1" dirty="0" err="1"/>
               <a:t>amin’ny</a:t>
             </a:r>
             <a:r>
-              <a:rPr lang="en-GB" sz="7200" b="1" dirty="0" smtClean="0"/>
+              <a:rPr lang="en-GB" sz="7200" b="1" dirty="0"/>
               <a:t> </a:t>
             </a:r>
             <a:r>
-              <a:rPr lang="en-GB" sz="7200" b="1" dirty="0" err="1" smtClean="0"/>
+              <a:rPr lang="en-GB" sz="7200" b="1" dirty="0" err="1"/>
               <a:t>maraina</a:t>
             </a:r>
-            <a:r>
-              <a:rPr lang="en-GB" sz="7200" b="1" dirty="0" smtClean="0"/>
-              <a:t/>
-            </a:r>
             <a:br>
-              <a:rPr lang="en-GB" sz="7200" b="1" dirty="0" smtClean="0"/>
+              <a:rPr lang="en-GB" sz="7200" b="1" dirty="0"/>
             </a:br>
             <a:r>
-              <a:rPr lang="en-GB" sz="7200" b="1" dirty="0" err="1" smtClean="0"/>
+              <a:rPr lang="en-GB" sz="7200" b="1" dirty="0" err="1"/>
               <a:t>Mamafaza</a:t>
             </a:r>
             <a:r>
-              <a:rPr lang="en-GB" sz="7200" b="1" dirty="0" smtClean="0"/>
+              <a:rPr lang="en-GB" sz="7200" b="1" dirty="0"/>
               <a:t> </a:t>
             </a:r>
             <a:r>
-              <a:rPr lang="en-GB" sz="7200" b="1" dirty="0" err="1" smtClean="0"/>
+              <a:rPr lang="en-GB" sz="7200" b="1" dirty="0" err="1"/>
               <a:t>voa</a:t>
             </a:r>
             <a:r>
-              <a:rPr lang="en-GB" sz="7200" b="1" dirty="0" smtClean="0"/>
+              <a:rPr lang="en-GB" sz="7200" b="1" dirty="0"/>
               <a:t>,</a:t>
             </a:r>
             <a:br>
-              <a:rPr lang="en-GB" sz="7200" b="1" dirty="0" smtClean="0"/>
+              <a:rPr lang="en-GB" sz="7200" b="1" dirty="0"/>
             </a:br>
             <a:r>
-              <a:rPr lang="en-GB" sz="7200" b="1" dirty="0" err="1" smtClean="0"/>
+              <a:rPr lang="en-GB" sz="7200" b="1" dirty="0" err="1"/>
               <a:t>tsy</a:t>
             </a:r>
             <a:r>
-              <a:rPr lang="en-GB" sz="7200" b="1" dirty="0" smtClean="0"/>
+              <a:rPr lang="en-GB" sz="7200" b="1" dirty="0"/>
               <a:t> </a:t>
             </a:r>
             <a:r>
-              <a:rPr lang="en-GB" sz="7200" b="1" dirty="0" err="1" smtClean="0"/>
+              <a:rPr lang="en-GB" sz="7200" b="1" dirty="0" err="1"/>
               <a:t>mijanona</a:t>
             </a:r>
             <a:r>
-              <a:rPr lang="en-GB" sz="7200" b="1" dirty="0" smtClean="0"/>
+              <a:rPr lang="en-GB" sz="7200" b="1" dirty="0"/>
               <a:t>.</a:t>
             </a:r>
             <a:endParaRPr lang="fr-FR" sz="7200" b="1" dirty="0"/>
@@ -4413,13 +4275,6 @@
   <p:clrMapOvr>
     <a:masterClrMapping/>
   </p:clrMapOvr>
-  <p:timing>
-    <p:tnLst>
-      <p:par>
-        <p:cTn id="1" dur="indefinite" restart="never" nodeType="tmRoot"/>
-      </p:par>
-    </p:tnLst>
-  </p:timing>
 </p:sld>
 </file>
 
@@ -4463,7 +4318,7 @@
           <a:lstStyle/>
           <a:p>
             <a:r>
-              <a:rPr lang="en-GB" sz="8000" b="1" i="1" dirty="0" err="1" smtClean="0">
+              <a:rPr lang="en-GB" sz="8000" b="1" i="1" dirty="0" err="1">
                 <a:effectLst>
                   <a:outerShdw blurRad="38100" dist="38100" dir="2700000" algn="tl">
                     <a:srgbClr val="000000">
@@ -4475,7 +4330,7 @@
               <a:t>Matokia</a:t>
             </a:r>
             <a:r>
-              <a:rPr lang="en-GB" sz="8000" b="1" i="1" dirty="0" smtClean="0">
+              <a:rPr lang="en-GB" sz="8000" b="1" i="1" dirty="0">
                 <a:effectLst>
                   <a:outerShdw blurRad="38100" dist="38100" dir="2700000" algn="tl">
                     <a:srgbClr val="000000">
@@ -4487,7 +4342,7 @@
               <a:t> re,</a:t>
             </a:r>
             <a:br>
-              <a:rPr lang="en-GB" sz="8000" b="1" i="1" dirty="0" smtClean="0">
+              <a:rPr lang="en-GB" sz="8000" b="1" i="1" dirty="0">
                 <a:effectLst>
                   <a:outerShdw blurRad="38100" dist="38100" dir="2700000" algn="tl">
                     <a:srgbClr val="000000">
@@ -4498,7 +4353,7 @@
               </a:rPr>
             </a:br>
             <a:r>
-              <a:rPr lang="en-GB" sz="8000" b="1" i="1" dirty="0" err="1" smtClean="0">
+              <a:rPr lang="en-GB" sz="8000" b="1" i="1" dirty="0" err="1">
                 <a:effectLst>
                   <a:outerShdw blurRad="38100" dist="38100" dir="2700000" algn="tl">
                     <a:srgbClr val="000000">
@@ -4510,7 +4365,7 @@
               <a:t>matokia</a:t>
             </a:r>
             <a:r>
-              <a:rPr lang="en-GB" sz="8000" b="1" i="1" dirty="0" smtClean="0">
+              <a:rPr lang="en-GB" sz="8000" b="1" i="1" dirty="0">
                 <a:effectLst>
                   <a:outerShdw blurRad="38100" dist="38100" dir="2700000" algn="tl">
                     <a:srgbClr val="000000">
@@ -4522,7 +4377,7 @@
               <a:t> re,</a:t>
             </a:r>
             <a:br>
-              <a:rPr lang="en-GB" sz="8000" b="1" i="1" dirty="0" smtClean="0">
+              <a:rPr lang="en-GB" sz="8000" b="1" i="1" dirty="0">
                 <a:effectLst>
                   <a:outerShdw blurRad="38100" dist="38100" dir="2700000" algn="tl">
                     <a:srgbClr val="000000">
@@ -4533,7 +4388,7 @@
               </a:rPr>
             </a:br>
             <a:r>
-              <a:rPr lang="en-GB" sz="8000" b="1" i="1" dirty="0" err="1" smtClean="0">
+              <a:rPr lang="en-GB" sz="8000" b="1" i="1" dirty="0" err="1">
                 <a:effectLst>
                   <a:outerShdw blurRad="38100" dist="38100" dir="2700000" algn="tl">
                     <a:srgbClr val="000000">
@@ -4545,7 +4400,7 @@
               <a:t>Hisy</a:t>
             </a:r>
             <a:r>
-              <a:rPr lang="en-GB" sz="8000" b="1" i="1" dirty="0" smtClean="0">
+              <a:rPr lang="en-GB" sz="8000" b="1" i="1" dirty="0">
                 <a:effectLst>
                   <a:outerShdw blurRad="38100" dist="38100" dir="2700000" algn="tl">
                     <a:srgbClr val="000000">
@@ -4557,7 +4412,7 @@
               <a:t> </a:t>
             </a:r>
             <a:r>
-              <a:rPr lang="en-GB" sz="8000" b="1" i="1" dirty="0" err="1" smtClean="0">
+              <a:rPr lang="en-GB" sz="8000" b="1" i="1" dirty="0" err="1">
                 <a:effectLst>
                   <a:outerShdw blurRad="38100" dist="38100" dir="2700000" algn="tl">
                     <a:srgbClr val="000000">
@@ -4569,7 +4424,7 @@
               <a:t>amboara</a:t>
             </a:r>
             <a:r>
-              <a:rPr lang="en-GB" sz="8000" b="1" i="1" dirty="0" smtClean="0">
+              <a:rPr lang="en-GB" sz="8000" b="1" i="1" dirty="0">
                 <a:effectLst>
                   <a:outerShdw blurRad="38100" dist="38100" dir="2700000" algn="tl">
                     <a:srgbClr val="000000">
@@ -4581,7 +4436,7 @@
               <a:t>,</a:t>
             </a:r>
             <a:br>
-              <a:rPr lang="en-GB" sz="8000" b="1" i="1" dirty="0" smtClean="0">
+              <a:rPr lang="en-GB" sz="8000" b="1" i="1" dirty="0">
                 <a:effectLst>
                   <a:outerShdw blurRad="38100" dist="38100" dir="2700000" algn="tl">
                     <a:srgbClr val="000000">
@@ -4592,7 +4447,7 @@
               </a:rPr>
             </a:br>
             <a:r>
-              <a:rPr lang="en-GB" sz="8000" b="1" i="1" dirty="0" err="1" smtClean="0">
+              <a:rPr lang="en-GB" sz="8000" b="1" i="1" dirty="0" err="1">
                 <a:effectLst>
                   <a:outerShdw blurRad="38100" dist="38100" dir="2700000" algn="tl">
                     <a:srgbClr val="000000">
@@ -4604,7 +4459,7 @@
               <a:t>ho</a:t>
             </a:r>
             <a:r>
-              <a:rPr lang="en-GB" sz="8000" b="1" i="1" dirty="0" smtClean="0">
+              <a:rPr lang="en-GB" sz="8000" b="1" i="1" dirty="0">
                 <a:effectLst>
                   <a:outerShdw blurRad="38100" dist="38100" dir="2700000" algn="tl">
                     <a:srgbClr val="000000">
@@ -4616,7 +4471,7 @@
               <a:t> </a:t>
             </a:r>
             <a:r>
-              <a:rPr lang="en-GB" sz="8000" b="1" i="1" dirty="0" err="1" smtClean="0">
+              <a:rPr lang="en-GB" sz="8000" b="1" i="1" dirty="0" err="1">
                 <a:effectLst>
                   <a:outerShdw blurRad="38100" dist="38100" dir="2700000" algn="tl">
                     <a:srgbClr val="000000">
@@ -4628,7 +4483,7 @@
               <a:t>anao</a:t>
             </a:r>
             <a:r>
-              <a:rPr lang="en-GB" sz="8000" b="1" i="1" dirty="0" smtClean="0">
+              <a:rPr lang="en-GB" sz="8000" b="1" i="1" dirty="0">
                 <a:effectLst>
                   <a:outerShdw blurRad="38100" dist="38100" dir="2700000" algn="tl">
                     <a:srgbClr val="000000">
@@ -4640,7 +4495,7 @@
               <a:t> </a:t>
             </a:r>
             <a:r>
-              <a:rPr lang="en-GB" sz="8000" b="1" i="1" dirty="0" err="1" smtClean="0">
+              <a:rPr lang="en-GB" sz="8000" b="1" i="1" dirty="0" err="1">
                 <a:effectLst>
                   <a:outerShdw blurRad="38100" dist="38100" dir="2700000" algn="tl">
                     <a:srgbClr val="000000">
@@ -4652,7 +4507,7 @@
               <a:t>anie</a:t>
             </a:r>
             <a:r>
-              <a:rPr lang="en-GB" sz="8000" b="1" i="1" dirty="0" smtClean="0">
+              <a:rPr lang="en-GB" sz="8000" b="1" i="1" dirty="0">
                 <a:effectLst>
                   <a:outerShdw blurRad="38100" dist="38100" dir="2700000" algn="tl">
                     <a:srgbClr val="000000">
@@ -4680,13 +4535,6 @@
   <p:clrMapOvr>
     <a:masterClrMapping/>
   </p:clrMapOvr>
-  <p:timing>
-    <p:tnLst>
-      <p:par>
-        <p:cTn id="1" dur="indefinite" restart="never" nodeType="tmRoot"/>
-      </p:par>
-    </p:tnLst>
-  </p:timing>
 </p:sld>
 </file>
 
@@ -4730,96 +4578,88 @@
           <a:lstStyle/>
           <a:p>
             <a:r>
-              <a:rPr lang="en-GB" sz="8000" b="1" dirty="0" smtClean="0"/>
+              <a:rPr lang="en-GB" sz="8000" b="1" dirty="0"/>
               <a:t>2 .</a:t>
             </a:r>
             <a:r>
-              <a:rPr lang="en-GB" sz="8000" b="1" dirty="0" err="1" smtClean="0"/>
+              <a:rPr lang="en-GB" sz="8000" b="1" dirty="0" err="1"/>
               <a:t>Mamafaza</a:t>
             </a:r>
             <a:r>
-              <a:rPr lang="en-GB" sz="8000" b="1" dirty="0" smtClean="0"/>
+              <a:rPr lang="en-GB" sz="8000" b="1" dirty="0"/>
               <a:t> </a:t>
             </a:r>
             <a:r>
-              <a:rPr lang="en-GB" sz="8000" b="1" dirty="0" err="1" smtClean="0"/>
+              <a:rPr lang="en-GB" sz="8000" b="1" dirty="0" err="1"/>
               <a:t>voa</a:t>
             </a:r>
-            <a:r>
-              <a:rPr lang="en-GB" sz="8000" b="1" dirty="0" smtClean="0"/>
-              <a:t/>
-            </a:r>
             <a:br>
-              <a:rPr lang="en-GB" sz="8000" b="1" dirty="0" smtClean="0"/>
+              <a:rPr lang="en-GB" sz="8000" b="1" dirty="0"/>
             </a:br>
             <a:r>
-              <a:rPr lang="en-GB" sz="8000" b="1" dirty="0" err="1" smtClean="0"/>
+              <a:rPr lang="en-GB" sz="8000" b="1" dirty="0" err="1"/>
               <a:t>amin’ny</a:t>
             </a:r>
             <a:r>
-              <a:rPr lang="en-GB" sz="8000" b="1" dirty="0" smtClean="0"/>
+              <a:rPr lang="en-GB" sz="8000" b="1" dirty="0"/>
               <a:t> </a:t>
             </a:r>
             <a:r>
-              <a:rPr lang="en-GB" sz="8000" b="1" dirty="0" err="1" smtClean="0"/>
+              <a:rPr lang="en-GB" sz="8000" b="1" dirty="0" err="1"/>
               <a:t>mahantra</a:t>
             </a:r>
             <a:r>
-              <a:rPr lang="en-GB" sz="8000" b="1" dirty="0" smtClean="0"/>
+              <a:rPr lang="en-GB" sz="8000" b="1" dirty="0"/>
               <a:t>,</a:t>
             </a:r>
             <a:br>
-              <a:rPr lang="en-GB" sz="8000" b="1" dirty="0" smtClean="0"/>
+              <a:rPr lang="en-GB" sz="8000" b="1" dirty="0"/>
             </a:br>
             <a:r>
-              <a:rPr lang="en-GB" sz="8000" b="1" dirty="0" err="1" smtClean="0"/>
+              <a:rPr lang="en-GB" sz="8000" b="1" dirty="0" err="1"/>
               <a:t>K</a:t>
             </a:r>
             <a:r>
-              <a:rPr lang="en-GB" sz="8000" b="1" i="1" dirty="0" err="1" smtClean="0"/>
+              <a:rPr lang="en-GB" sz="8000" b="1" i="1" dirty="0" err="1"/>
               <a:t>a</a:t>
             </a:r>
             <a:r>
-              <a:rPr lang="en-GB" sz="8000" b="1" dirty="0" smtClean="0"/>
+              <a:rPr lang="en-GB" sz="8000" b="1" dirty="0"/>
               <a:t>  </a:t>
             </a:r>
             <a:r>
-              <a:rPr lang="en-GB" sz="8000" b="1" dirty="0" err="1" smtClean="0"/>
+              <a:rPr lang="en-GB" sz="8000" b="1" dirty="0" err="1"/>
               <a:t>aza</a:t>
             </a:r>
             <a:r>
-              <a:rPr lang="en-GB" sz="8000" b="1" dirty="0" smtClean="0"/>
+              <a:rPr lang="en-GB" sz="8000" b="1" dirty="0"/>
               <a:t> </a:t>
             </a:r>
             <a:r>
-              <a:rPr lang="en-GB" sz="8000" b="1" dirty="0" err="1" smtClean="0"/>
+              <a:rPr lang="en-GB" sz="8000" b="1" dirty="0" err="1"/>
               <a:t>mba</a:t>
             </a:r>
             <a:r>
-              <a:rPr lang="en-GB" sz="8000" b="1" dirty="0" smtClean="0"/>
+              <a:rPr lang="en-GB" sz="8000" b="1" dirty="0"/>
               <a:t> </a:t>
             </a:r>
             <a:r>
-              <a:rPr lang="en-GB" sz="8000" b="1" dirty="0" err="1" smtClean="0"/>
+              <a:rPr lang="en-GB" sz="8000" b="1" dirty="0" err="1"/>
               <a:t>mifidy</a:t>
             </a:r>
-            <a:r>
-              <a:rPr lang="en-GB" sz="8000" b="1" dirty="0" smtClean="0"/>
-              <a:t/>
-            </a:r>
             <a:br>
-              <a:rPr lang="en-GB" sz="8000" b="1" dirty="0" smtClean="0"/>
+              <a:rPr lang="en-GB" sz="8000" b="1" dirty="0"/>
             </a:br>
             <a:r>
-              <a:rPr lang="en-GB" sz="8000" b="1" dirty="0" err="1" smtClean="0"/>
+              <a:rPr lang="en-GB" sz="8000" b="1" dirty="0" err="1"/>
               <a:t>izay</a:t>
             </a:r>
             <a:r>
-              <a:rPr lang="en-GB" sz="8000" b="1" dirty="0" smtClean="0"/>
+              <a:rPr lang="en-GB" sz="8000" b="1" dirty="0"/>
               <a:t> </a:t>
             </a:r>
             <a:r>
-              <a:rPr lang="en-GB" sz="8000" b="1" dirty="0" err="1" smtClean="0"/>
+              <a:rPr lang="en-GB" sz="8000" b="1" dirty="0" err="1"/>
               <a:t>hasian-tsoa</a:t>
             </a:r>
             <a:endParaRPr lang="fr-FR" sz="6000" dirty="0"/>
@@ -4831,13 +4671,6 @@
   <p:clrMapOvr>
     <a:masterClrMapping/>
   </p:clrMapOvr>
-  <p:timing>
-    <p:tnLst>
-      <p:par>
-        <p:cTn id="1" dur="indefinite" restart="never" nodeType="tmRoot"/>
-      </p:par>
-    </p:tnLst>
-  </p:timing>
 </p:sld>
 </file>
 
@@ -4881,112 +4714,100 @@
           <a:lstStyle/>
           <a:p>
             <a:r>
-              <a:rPr lang="en-GB" sz="7200" b="1" dirty="0" err="1" smtClean="0"/>
+              <a:rPr lang="en-GB" sz="7200" b="1" dirty="0" err="1"/>
               <a:t>Fa</a:t>
             </a:r>
             <a:r>
-              <a:rPr lang="en-GB" sz="7200" b="1" dirty="0" smtClean="0"/>
+              <a:rPr lang="en-GB" sz="7200" b="1" dirty="0"/>
               <a:t> </a:t>
             </a:r>
             <a:r>
-              <a:rPr lang="en-GB" sz="7200" b="1" dirty="0" err="1" smtClean="0"/>
+              <a:rPr lang="en-GB" sz="7200" b="1" dirty="0" err="1"/>
               <a:t>ny</a:t>
             </a:r>
             <a:r>
-              <a:rPr lang="en-GB" sz="7200" b="1" dirty="0" smtClean="0"/>
+              <a:rPr lang="en-GB" sz="7200" b="1" dirty="0"/>
               <a:t> </a:t>
             </a:r>
             <a:r>
-              <a:rPr lang="en-GB" sz="7200" b="1" dirty="0" err="1" smtClean="0"/>
+              <a:rPr lang="en-GB" sz="7200" b="1" dirty="0" err="1"/>
               <a:t>fo</a:t>
             </a:r>
             <a:r>
-              <a:rPr lang="en-GB" sz="7200" b="1" dirty="0" smtClean="0"/>
+              <a:rPr lang="en-GB" sz="7200" b="1" dirty="0"/>
               <a:t> </a:t>
             </a:r>
             <a:r>
-              <a:rPr lang="en-GB" sz="7200" b="1" dirty="0" err="1" smtClean="0"/>
+              <a:rPr lang="en-GB" sz="7200" b="1" dirty="0" err="1"/>
               <a:t>mazoto</a:t>
             </a:r>
-            <a:r>
-              <a:rPr lang="en-GB" sz="7200" b="1" dirty="0" smtClean="0"/>
-              <a:t/>
-            </a:r>
             <a:br>
-              <a:rPr lang="en-GB" sz="7200" b="1" dirty="0" smtClean="0"/>
+              <a:rPr lang="en-GB" sz="7200" b="1" dirty="0"/>
             </a:br>
             <a:r>
-              <a:rPr lang="en-GB" sz="7200" b="1" dirty="0" err="1" smtClean="0"/>
+              <a:rPr lang="en-GB" sz="7200" b="1" dirty="0" err="1"/>
               <a:t>sady</a:t>
             </a:r>
             <a:r>
-              <a:rPr lang="en-GB" sz="7200" b="1" dirty="0" smtClean="0"/>
+              <a:rPr lang="en-GB" sz="7200" b="1" dirty="0"/>
               <a:t> </a:t>
             </a:r>
             <a:r>
-              <a:rPr lang="en-GB" sz="7200" b="1" dirty="0" err="1" smtClean="0"/>
+              <a:rPr lang="en-GB" sz="7200" b="1" dirty="0" err="1"/>
               <a:t>feno</a:t>
             </a:r>
             <a:r>
-              <a:rPr lang="en-GB" sz="7200" b="1" dirty="0" smtClean="0"/>
+              <a:rPr lang="en-GB" sz="7200" b="1" dirty="0"/>
               <a:t> </a:t>
             </a:r>
             <a:r>
-              <a:rPr lang="en-GB" sz="7200" b="1" dirty="0" err="1" smtClean="0"/>
+              <a:rPr lang="en-GB" sz="7200" b="1" dirty="0" err="1"/>
               <a:t>antra</a:t>
             </a:r>
-            <a:r>
-              <a:rPr lang="en-GB" sz="7200" b="1" dirty="0" smtClean="0"/>
-              <a:t/>
-            </a:r>
             <a:br>
-              <a:rPr lang="en-GB" sz="7200" b="1" dirty="0" smtClean="0"/>
+              <a:rPr lang="en-GB" sz="7200" b="1" dirty="0"/>
             </a:br>
             <a:r>
-              <a:rPr lang="en-GB" sz="7200" b="1" dirty="0" err="1" smtClean="0"/>
+              <a:rPr lang="en-GB" sz="7200" b="1" dirty="0" err="1"/>
               <a:t>Di</a:t>
             </a:r>
             <a:r>
-              <a:rPr lang="en-GB" sz="7200" b="1" i="1" dirty="0" err="1" smtClean="0"/>
+              <a:rPr lang="en-GB" sz="7200" b="1" i="1" dirty="0" err="1"/>
               <a:t>a</a:t>
             </a:r>
             <a:r>
-              <a:rPr lang="en-GB" sz="7200" b="1" dirty="0" smtClean="0"/>
+              <a:rPr lang="en-GB" sz="7200" b="1" dirty="0"/>
               <a:t>  </a:t>
             </a:r>
             <a:r>
-              <a:rPr lang="en-GB" sz="7200" b="1" dirty="0" err="1" smtClean="0"/>
+              <a:rPr lang="en-GB" sz="7200" b="1" dirty="0" err="1"/>
               <a:t>homen’ny</a:t>
             </a:r>
             <a:r>
-              <a:rPr lang="en-GB" sz="7200" b="1" dirty="0" smtClean="0"/>
+              <a:rPr lang="en-GB" sz="7200" b="1" dirty="0"/>
               <a:t> </a:t>
             </a:r>
             <a:r>
-              <a:rPr lang="en-GB" sz="7200" b="1" dirty="0" err="1" smtClean="0"/>
+              <a:rPr lang="en-GB" sz="7200" b="1" dirty="0" err="1"/>
               <a:t>Tompo</a:t>
             </a:r>
-            <a:r>
-              <a:rPr lang="en-GB" sz="7200" b="1" dirty="0" smtClean="0"/>
-              <a:t/>
-            </a:r>
             <a:br>
-              <a:rPr lang="en-GB" sz="7200" b="1" dirty="0" smtClean="0"/>
+              <a:rPr lang="en-GB" sz="7200" b="1" dirty="0"/>
             </a:br>
             <a:r>
-              <a:rPr lang="en-GB" sz="7200" b="1" dirty="0" err="1" smtClean="0"/>
+              <a:rPr lang="en-GB" sz="7200" b="1" dirty="0" err="1"/>
               <a:t>valisoa</a:t>
             </a:r>
             <a:r>
-              <a:rPr lang="en-GB" sz="7200" b="1" dirty="0" smtClean="0"/>
+              <a:rPr lang="en-GB" sz="7200" b="1" dirty="0"/>
               <a:t> </a:t>
             </a:r>
             <a:r>
-              <a:rPr lang="en-GB" sz="7200" b="1" dirty="0" err="1" smtClean="0"/>
+              <a:rPr lang="en-GB" sz="7200" b="1" dirty="0" err="1"/>
               <a:t>tokoa</a:t>
             </a:r>
             <a:r>
-              <a:rPr lang="en-GB" sz="7200" b="1" dirty="0" smtClean="0"/>
+              <a:rPr lang="en-GB" sz="7200" b="1" dirty="0"/>
               <a:t>,</a:t>
             </a:r>
             <a:endParaRPr lang="fr-FR" sz="7200" b="1" dirty="0"/>
@@ -5041,7 +4862,7 @@
           <a:lstStyle/>
           <a:p>
             <a:r>
-              <a:rPr lang="en-GB" sz="8000" b="1" i="1" dirty="0" err="1" smtClean="0">
+              <a:rPr lang="en-GB" sz="8000" b="1" i="1" dirty="0" err="1">
                 <a:effectLst>
                   <a:outerShdw blurRad="38100" dist="38100" dir="2700000" algn="tl">
                     <a:srgbClr val="000000">
@@ -5053,7 +4874,7 @@
               <a:t>Matokia</a:t>
             </a:r>
             <a:r>
-              <a:rPr lang="en-GB" sz="8000" b="1" i="1" dirty="0" smtClean="0">
+              <a:rPr lang="en-GB" sz="8000" b="1" i="1" dirty="0">
                 <a:effectLst>
                   <a:outerShdw blurRad="38100" dist="38100" dir="2700000" algn="tl">
                     <a:srgbClr val="000000">
@@ -5065,7 +4886,7 @@
               <a:t> re,</a:t>
             </a:r>
             <a:br>
-              <a:rPr lang="en-GB" sz="8000" b="1" i="1" dirty="0" smtClean="0">
+              <a:rPr lang="en-GB" sz="8000" b="1" i="1" dirty="0">
                 <a:effectLst>
                   <a:outerShdw blurRad="38100" dist="38100" dir="2700000" algn="tl">
                     <a:srgbClr val="000000">
@@ -5076,7 +4897,7 @@
               </a:rPr>
             </a:br>
             <a:r>
-              <a:rPr lang="en-GB" sz="8000" b="1" i="1" dirty="0" err="1" smtClean="0">
+              <a:rPr lang="en-GB" sz="8000" b="1" i="1" dirty="0" err="1">
                 <a:effectLst>
                   <a:outerShdw blurRad="38100" dist="38100" dir="2700000" algn="tl">
                     <a:srgbClr val="000000">
@@ -5088,7 +4909,7 @@
               <a:t>matokia</a:t>
             </a:r>
             <a:r>
-              <a:rPr lang="en-GB" sz="8000" b="1" i="1" dirty="0" smtClean="0">
+              <a:rPr lang="en-GB" sz="8000" b="1" i="1" dirty="0">
                 <a:effectLst>
                   <a:outerShdw blurRad="38100" dist="38100" dir="2700000" algn="tl">
                     <a:srgbClr val="000000">
@@ -5100,7 +4921,7 @@
               <a:t> re,</a:t>
             </a:r>
             <a:br>
-              <a:rPr lang="en-GB" sz="8000" b="1" i="1" dirty="0" smtClean="0">
+              <a:rPr lang="en-GB" sz="8000" b="1" i="1" dirty="0">
                 <a:effectLst>
                   <a:outerShdw blurRad="38100" dist="38100" dir="2700000" algn="tl">
                     <a:srgbClr val="000000">
@@ -5111,7 +4932,7 @@
               </a:rPr>
             </a:br>
             <a:r>
-              <a:rPr lang="en-GB" sz="8000" b="1" i="1" dirty="0" err="1" smtClean="0">
+              <a:rPr lang="en-GB" sz="8000" b="1" i="1" dirty="0" err="1">
                 <a:effectLst>
                   <a:outerShdw blurRad="38100" dist="38100" dir="2700000" algn="tl">
                     <a:srgbClr val="000000">
@@ -5123,7 +4944,7 @@
               <a:t>Hisy</a:t>
             </a:r>
             <a:r>
-              <a:rPr lang="en-GB" sz="8000" b="1" i="1" dirty="0" smtClean="0">
+              <a:rPr lang="en-GB" sz="8000" b="1" i="1" dirty="0">
                 <a:effectLst>
                   <a:outerShdw blurRad="38100" dist="38100" dir="2700000" algn="tl">
                     <a:srgbClr val="000000">
@@ -5135,7 +4956,7 @@
               <a:t> </a:t>
             </a:r>
             <a:r>
-              <a:rPr lang="en-GB" sz="8000" b="1" i="1" dirty="0" err="1" smtClean="0">
+              <a:rPr lang="en-GB" sz="8000" b="1" i="1" dirty="0" err="1">
                 <a:effectLst>
                   <a:outerShdw blurRad="38100" dist="38100" dir="2700000" algn="tl">
                     <a:srgbClr val="000000">
@@ -5147,7 +4968,7 @@
               <a:t>amboara</a:t>
             </a:r>
             <a:r>
-              <a:rPr lang="en-GB" sz="8000" b="1" i="1" dirty="0" smtClean="0">
+              <a:rPr lang="en-GB" sz="8000" b="1" i="1" dirty="0">
                 <a:effectLst>
                   <a:outerShdw blurRad="38100" dist="38100" dir="2700000" algn="tl">
                     <a:srgbClr val="000000">
@@ -5159,7 +4980,7 @@
               <a:t>,</a:t>
             </a:r>
             <a:br>
-              <a:rPr lang="en-GB" sz="8000" b="1" i="1" dirty="0" smtClean="0">
+              <a:rPr lang="en-GB" sz="8000" b="1" i="1" dirty="0">
                 <a:effectLst>
                   <a:outerShdw blurRad="38100" dist="38100" dir="2700000" algn="tl">
                     <a:srgbClr val="000000">
@@ -5170,7 +4991,7 @@
               </a:rPr>
             </a:br>
             <a:r>
-              <a:rPr lang="en-GB" sz="8000" b="1" i="1" dirty="0" err="1" smtClean="0">
+              <a:rPr lang="en-GB" sz="8000" b="1" i="1" dirty="0" err="1">
                 <a:effectLst>
                   <a:outerShdw blurRad="38100" dist="38100" dir="2700000" algn="tl">
                     <a:srgbClr val="000000">
@@ -5182,7 +5003,7 @@
               <a:t>ho</a:t>
             </a:r>
             <a:r>
-              <a:rPr lang="en-GB" sz="8000" b="1" i="1" dirty="0" smtClean="0">
+              <a:rPr lang="en-GB" sz="8000" b="1" i="1" dirty="0">
                 <a:effectLst>
                   <a:outerShdw blurRad="38100" dist="38100" dir="2700000" algn="tl">
                     <a:srgbClr val="000000">
@@ -5194,7 +5015,7 @@
               <a:t> </a:t>
             </a:r>
             <a:r>
-              <a:rPr lang="en-GB" sz="8000" b="1" i="1" dirty="0" err="1" smtClean="0">
+              <a:rPr lang="en-GB" sz="8000" b="1" i="1" dirty="0" err="1">
                 <a:effectLst>
                   <a:outerShdw blurRad="38100" dist="38100" dir="2700000" algn="tl">
                     <a:srgbClr val="000000">
@@ -5206,7 +5027,7 @@
               <a:t>anao</a:t>
             </a:r>
             <a:r>
-              <a:rPr lang="en-GB" sz="8000" b="1" i="1" dirty="0" smtClean="0">
+              <a:rPr lang="en-GB" sz="8000" b="1" i="1" dirty="0">
                 <a:effectLst>
                   <a:outerShdw blurRad="38100" dist="38100" dir="2700000" algn="tl">
                     <a:srgbClr val="000000">
@@ -5218,7 +5039,7 @@
               <a:t> </a:t>
             </a:r>
             <a:r>
-              <a:rPr lang="en-GB" sz="8000" b="1" i="1" dirty="0" err="1" smtClean="0">
+              <a:rPr lang="en-GB" sz="8000" b="1" i="1" dirty="0" err="1">
                 <a:effectLst>
                   <a:outerShdw blurRad="38100" dist="38100" dir="2700000" algn="tl">
                     <a:srgbClr val="000000">
@@ -5230,7 +5051,7 @@
               <a:t>anie</a:t>
             </a:r>
             <a:r>
-              <a:rPr lang="en-GB" sz="8000" b="1" i="1" dirty="0" smtClean="0">
+              <a:rPr lang="en-GB" sz="8000" b="1" i="1" dirty="0">
                 <a:effectLst>
                   <a:outerShdw blurRad="38100" dist="38100" dir="2700000" algn="tl">
                     <a:srgbClr val="000000">
@@ -5306,100 +5127,96 @@
           <a:lstStyle/>
           <a:p>
             <a:r>
-              <a:rPr lang="en-GB" sz="8000" b="1" dirty="0" smtClean="0"/>
+              <a:rPr lang="en-GB" sz="8000" b="1" dirty="0"/>
               <a:t>3.Mamafaza </a:t>
             </a:r>
             <a:r>
-              <a:rPr lang="en-GB" sz="8000" b="1" dirty="0" err="1" smtClean="0"/>
+              <a:rPr lang="en-GB" sz="8000" b="1" dirty="0" err="1"/>
               <a:t>voa</a:t>
             </a:r>
             <a:r>
-              <a:rPr lang="en-GB" sz="8000" b="1" dirty="0" smtClean="0"/>
+              <a:rPr lang="en-GB" sz="8000" b="1" dirty="0"/>
               <a:t> </a:t>
             </a:r>
             <a:br>
-              <a:rPr lang="en-GB" sz="8000" b="1" dirty="0" smtClean="0"/>
+              <a:rPr lang="en-GB" sz="8000" b="1" dirty="0"/>
             </a:br>
             <a:r>
-              <a:rPr lang="en-GB" sz="8000" b="1" dirty="0" err="1" smtClean="0"/>
+              <a:rPr lang="en-GB" sz="8000" b="1" dirty="0" err="1"/>
               <a:t>amin’ny</a:t>
             </a:r>
             <a:r>
-              <a:rPr lang="en-GB" sz="8000" b="1" dirty="0" smtClean="0"/>
+              <a:rPr lang="en-GB" sz="8000" b="1" dirty="0"/>
               <a:t> </a:t>
             </a:r>
             <a:r>
-              <a:rPr lang="en-GB" sz="8000" b="1" dirty="0" err="1" smtClean="0"/>
+              <a:rPr lang="en-GB" sz="8000" b="1" dirty="0" err="1"/>
               <a:t>malemy</a:t>
             </a:r>
             <a:r>
-              <a:rPr lang="en-GB" sz="8000" b="1" dirty="0" smtClean="0"/>
+              <a:rPr lang="en-GB" sz="8000" b="1" dirty="0"/>
               <a:t>,</a:t>
             </a:r>
             <a:br>
-              <a:rPr lang="en-GB" sz="8000" b="1" dirty="0" smtClean="0"/>
+              <a:rPr lang="en-GB" sz="8000" b="1" dirty="0"/>
             </a:br>
             <a:r>
-              <a:rPr lang="en-GB" sz="8000" b="1" dirty="0" err="1" smtClean="0"/>
+              <a:rPr lang="en-GB" sz="8000" b="1" dirty="0" err="1"/>
               <a:t>Ary</a:t>
             </a:r>
             <a:r>
-              <a:rPr lang="en-GB" sz="8000" b="1" dirty="0" smtClean="0"/>
+              <a:rPr lang="en-GB" sz="8000" b="1" dirty="0"/>
               <a:t> </a:t>
             </a:r>
             <a:r>
-              <a:rPr lang="en-GB" sz="8000" b="1" dirty="0" err="1" smtClean="0"/>
+              <a:rPr lang="en-GB" sz="8000" b="1" dirty="0" err="1"/>
               <a:t>mba</a:t>
             </a:r>
             <a:r>
-              <a:rPr lang="en-GB" sz="8000" b="1" dirty="0" smtClean="0"/>
+              <a:rPr lang="en-GB" sz="8000" b="1" dirty="0"/>
               <a:t> </a:t>
             </a:r>
             <a:r>
-              <a:rPr lang="en-GB" sz="8000" b="1" dirty="0" err="1" smtClean="0"/>
+              <a:rPr lang="en-GB" sz="8000" b="1" dirty="0" err="1"/>
               <a:t>ampio</a:t>
             </a:r>
             <a:r>
-              <a:rPr lang="en-GB" sz="8000" b="1" dirty="0" smtClean="0"/>
+              <a:rPr lang="en-GB" sz="8000" b="1" dirty="0"/>
               <a:t> </a:t>
             </a:r>
             <a:r>
-              <a:rPr lang="en-GB" sz="8000" b="1" i="1" dirty="0" err="1" smtClean="0"/>
+              <a:rPr lang="en-GB" sz="8000" b="1" i="1" dirty="0" err="1"/>
               <a:t>i</a:t>
             </a:r>
             <a:r>
-              <a:rPr lang="en-GB" sz="8000" b="1" dirty="0" err="1" smtClean="0"/>
+              <a:rPr lang="en-GB" sz="8000" b="1" dirty="0" err="1"/>
               <a:t>zay</a:t>
             </a:r>
-            <a:r>
-              <a:rPr lang="en-GB" sz="8000" b="1" dirty="0" smtClean="0"/>
-              <a:t/>
-            </a:r>
             <a:br>
-              <a:rPr lang="en-GB" sz="8000" b="1" dirty="0" smtClean="0"/>
+              <a:rPr lang="en-GB" sz="8000" b="1" dirty="0"/>
             </a:br>
             <a:r>
-              <a:rPr lang="en-GB" sz="8000" b="1" dirty="0" err="1" smtClean="0"/>
+              <a:rPr lang="en-GB" sz="8000" b="1" dirty="0" err="1"/>
               <a:t>reraka</a:t>
             </a:r>
             <a:r>
-              <a:rPr lang="en-GB" sz="8000" b="1" dirty="0" smtClean="0"/>
+              <a:rPr lang="en-GB" sz="8000" b="1" dirty="0"/>
               <a:t> </a:t>
             </a:r>
             <a:r>
-              <a:rPr lang="en-GB" sz="8000" b="1" dirty="0" err="1" smtClean="0"/>
+              <a:rPr lang="en-GB" sz="8000" b="1" dirty="0" err="1"/>
               <a:t>ao</a:t>
             </a:r>
             <a:r>
-              <a:rPr lang="en-GB" sz="8000" b="1" dirty="0" smtClean="0"/>
+              <a:rPr lang="en-GB" sz="8000" b="1" dirty="0"/>
               <a:t> am-</a:t>
             </a:r>
             <a:r>
-              <a:rPr lang="en-GB" sz="8000" b="1" dirty="0" err="1" smtClean="0"/>
+              <a:rPr lang="en-GB" sz="8000" b="1" dirty="0" err="1"/>
               <a:t>po</a:t>
             </a:r>
             <a:r>
-              <a:rPr lang="en-GB" sz="8000" b="1" dirty="0" smtClean="0"/>
+              <a:rPr lang="en-GB" sz="8000" b="1" dirty="0"/>
               <a:t> ;</a:t>
             </a:r>
             <a:endParaRPr lang="fr-FR" sz="8000" b="1" dirty="0"/>
@@ -5454,77 +5271,73 @@
           <a:lstStyle/>
           <a:p>
             <a:r>
-              <a:rPr lang="en-GB" sz="8800" b="1" dirty="0" err="1" smtClean="0"/>
+              <a:rPr lang="en-GB" sz="8800" b="1" dirty="0" err="1"/>
               <a:t>Asehoy</a:t>
             </a:r>
             <a:r>
-              <a:rPr lang="en-GB" sz="8800" b="1" dirty="0" smtClean="0"/>
+              <a:rPr lang="en-GB" sz="8800" b="1" dirty="0"/>
               <a:t> </a:t>
             </a:r>
             <a:r>
-              <a:rPr lang="en-GB" sz="8800" b="1" dirty="0" err="1" smtClean="0"/>
+              <a:rPr lang="en-GB" sz="8800" b="1" dirty="0" err="1"/>
               <a:t>Jesosy</a:t>
             </a:r>
-            <a:r>
-              <a:rPr lang="en-GB" sz="8800" b="1" dirty="0" smtClean="0"/>
-              <a:t/>
-            </a:r>
             <a:br>
-              <a:rPr lang="en-GB" sz="8800" b="1" dirty="0" smtClean="0"/>
+              <a:rPr lang="en-GB" sz="8800" b="1" dirty="0"/>
             </a:br>
             <a:r>
-              <a:rPr lang="en-GB" sz="8800" b="1" dirty="0" err="1" smtClean="0"/>
+              <a:rPr lang="en-GB" sz="8800" b="1" dirty="0" err="1"/>
               <a:t>loharanon-kery</a:t>
             </a:r>
             <a:r>
-              <a:rPr lang="en-GB" sz="8800" b="1" dirty="0" smtClean="0"/>
+              <a:rPr lang="en-GB" sz="8800" b="1" dirty="0"/>
               <a:t>,</a:t>
             </a:r>
             <a:br>
-              <a:rPr lang="en-GB" sz="8800" b="1" dirty="0" smtClean="0"/>
+              <a:rPr lang="en-GB" sz="8800" b="1" dirty="0"/>
             </a:br>
             <a:r>
-              <a:rPr lang="en-GB" sz="8800" b="1" dirty="0" err="1" smtClean="0"/>
+              <a:rPr lang="en-GB" sz="8800" b="1" dirty="0" err="1"/>
               <a:t>Ao</a:t>
             </a:r>
             <a:r>
-              <a:rPr lang="en-GB" sz="8800" b="1" dirty="0" smtClean="0"/>
+              <a:rPr lang="en-GB" sz="8800" b="1" dirty="0"/>
               <a:t> no </a:t>
             </a:r>
             <a:r>
-              <a:rPr lang="en-GB" sz="8800" b="1" dirty="0" err="1" smtClean="0"/>
+              <a:rPr lang="en-GB" sz="8800" b="1" dirty="0" err="1"/>
               <a:t>anovozy</a:t>
             </a:r>
             <a:r>
-              <a:rPr lang="en-GB" sz="8800" b="1" dirty="0" smtClean="0"/>
+              <a:rPr lang="en-GB" sz="8800" b="1" dirty="0"/>
               <a:t> </a:t>
             </a:r>
             <a:r>
-              <a:rPr lang="en-GB" sz="8800" b="1" i="1" dirty="0" err="1" smtClean="0"/>
+              <a:rPr lang="en-GB" sz="8800" b="1" i="1" dirty="0" err="1"/>
               <a:t>i</a:t>
             </a:r>
             <a:r>
-              <a:rPr lang="en-GB" sz="8800" b="1" dirty="0" err="1" smtClean="0"/>
+              <a:rPr lang="en-GB" sz="8800" b="1" dirty="0" err="1"/>
               <a:t>zay</a:t>
             </a:r>
             <a:r>
-              <a:rPr lang="en-GB" sz="8800" b="1" dirty="0" smtClean="0"/>
+              <a:rPr lang="en-GB" sz="8800" b="1" dirty="0"/>
               <a:t> </a:t>
             </a:r>
             <a:r>
-              <a:rPr lang="en-GB" sz="8800" b="1" dirty="0" err="1" smtClean="0"/>
+              <a:rPr lang="en-GB" sz="8800" b="1" dirty="0" err="1"/>
               <a:t>ilain’ny</a:t>
             </a:r>
             <a:r>
-              <a:rPr lang="en-GB" sz="8800" b="1" dirty="0" smtClean="0"/>
+              <a:rPr lang="en-GB" sz="8800" b="1" dirty="0"/>
               <a:t> </a:t>
             </a:r>
             <a:r>
-              <a:rPr lang="en-GB" sz="8800" b="1" dirty="0" err="1" smtClean="0"/>
+              <a:rPr lang="en-GB" sz="8800" b="1" dirty="0" err="1"/>
               <a:t>fo</a:t>
             </a:r>
             <a:r>
-              <a:rPr lang="en-GB" sz="8800" b="1" dirty="0" smtClean="0"/>
+              <a:rPr lang="en-GB" sz="8800" b="1" dirty="0"/>
               <a:t>.</a:t>
             </a:r>
             <a:endParaRPr lang="fr-FR" sz="8800" b="1" dirty="0"/>

--- a/FFPM/FFPM 306.pptx
+++ b/FFPM/FFPM 306.pptx
@@ -315,7 +315,7 @@
             <a:fld id="{503CEAC4-F2F8-4A5A-9264-254F23348EFC}" type="datetimeFigureOut">
               <a:rPr lang="fr-FR" smtClean="0"/>
               <a:pPr/>
-              <a:t>14/05/2023</a:t>
+              <a:t>11/10/2025</a:t>
             </a:fld>
             <a:endParaRPr lang="fr-FR"/>
           </a:p>
@@ -480,7 +480,7 @@
             <a:fld id="{503CEAC4-F2F8-4A5A-9264-254F23348EFC}" type="datetimeFigureOut">
               <a:rPr lang="fr-FR" smtClean="0"/>
               <a:pPr/>
-              <a:t>14/05/2023</a:t>
+              <a:t>11/10/2025</a:t>
             </a:fld>
             <a:endParaRPr lang="fr-FR"/>
           </a:p>
@@ -655,7 +655,7 @@
             <a:fld id="{503CEAC4-F2F8-4A5A-9264-254F23348EFC}" type="datetimeFigureOut">
               <a:rPr lang="fr-FR" smtClean="0"/>
               <a:pPr/>
-              <a:t>14/05/2023</a:t>
+              <a:t>11/10/2025</a:t>
             </a:fld>
             <a:endParaRPr lang="fr-FR"/>
           </a:p>
@@ -820,7 +820,7 @@
             <a:fld id="{503CEAC4-F2F8-4A5A-9264-254F23348EFC}" type="datetimeFigureOut">
               <a:rPr lang="fr-FR" smtClean="0"/>
               <a:pPr/>
-              <a:t>14/05/2023</a:t>
+              <a:t>11/10/2025</a:t>
             </a:fld>
             <a:endParaRPr lang="fr-FR"/>
           </a:p>
@@ -1062,7 +1062,7 @@
             <a:fld id="{503CEAC4-F2F8-4A5A-9264-254F23348EFC}" type="datetimeFigureOut">
               <a:rPr lang="fr-FR" smtClean="0"/>
               <a:pPr/>
-              <a:t>14/05/2023</a:t>
+              <a:t>11/10/2025</a:t>
             </a:fld>
             <a:endParaRPr lang="fr-FR"/>
           </a:p>
@@ -1344,7 +1344,7 @@
             <a:fld id="{503CEAC4-F2F8-4A5A-9264-254F23348EFC}" type="datetimeFigureOut">
               <a:rPr lang="fr-FR" smtClean="0"/>
               <a:pPr/>
-              <a:t>14/05/2023</a:t>
+              <a:t>11/10/2025</a:t>
             </a:fld>
             <a:endParaRPr lang="fr-FR"/>
           </a:p>
@@ -1765,7 +1765,7 @@
             <a:fld id="{503CEAC4-F2F8-4A5A-9264-254F23348EFC}" type="datetimeFigureOut">
               <a:rPr lang="fr-FR" smtClean="0"/>
               <a:pPr/>
-              <a:t>14/05/2023</a:t>
+              <a:t>11/10/2025</a:t>
             </a:fld>
             <a:endParaRPr lang="fr-FR"/>
           </a:p>
@@ -1879,7 +1879,7 @@
             <a:fld id="{503CEAC4-F2F8-4A5A-9264-254F23348EFC}" type="datetimeFigureOut">
               <a:rPr lang="fr-FR" smtClean="0"/>
               <a:pPr/>
-              <a:t>14/05/2023</a:t>
+              <a:t>11/10/2025</a:t>
             </a:fld>
             <a:endParaRPr lang="fr-FR"/>
           </a:p>
@@ -1971,7 +1971,7 @@
             <a:fld id="{503CEAC4-F2F8-4A5A-9264-254F23348EFC}" type="datetimeFigureOut">
               <a:rPr lang="fr-FR" smtClean="0"/>
               <a:pPr/>
-              <a:t>14/05/2023</a:t>
+              <a:t>11/10/2025</a:t>
             </a:fld>
             <a:endParaRPr lang="fr-FR"/>
           </a:p>
@@ -2243,7 +2243,7 @@
             <a:fld id="{503CEAC4-F2F8-4A5A-9264-254F23348EFC}" type="datetimeFigureOut">
               <a:rPr lang="fr-FR" smtClean="0"/>
               <a:pPr/>
-              <a:t>14/05/2023</a:t>
+              <a:t>11/10/2025</a:t>
             </a:fld>
             <a:endParaRPr lang="fr-FR"/>
           </a:p>
@@ -2492,7 +2492,7 @@
             <a:fld id="{503CEAC4-F2F8-4A5A-9264-254F23348EFC}" type="datetimeFigureOut">
               <a:rPr lang="fr-FR" smtClean="0"/>
               <a:pPr/>
-              <a:t>14/05/2023</a:t>
+              <a:t>11/10/2025</a:t>
             </a:fld>
             <a:endParaRPr lang="fr-FR"/>
           </a:p>
@@ -2700,7 +2700,7 @@
             <a:fld id="{503CEAC4-F2F8-4A5A-9264-254F23348EFC}" type="datetimeFigureOut">
               <a:rPr lang="fr-FR" smtClean="0"/>
               <a:pPr/>
-              <a:t>14/05/2023</a:t>
+              <a:t>11/10/2025</a:t>
             </a:fld>
             <a:endParaRPr lang="fr-FR"/>
           </a:p>
@@ -3457,12 +3457,28 @@
           <a:lstStyle/>
           <a:p>
             <a:r>
-              <a:rPr lang="en-GB" sz="8800" b="1"/>
-              <a:t>4.Miasà </a:t>
+              <a:rPr lang="en-GB" sz="8800" b="1" dirty="0"/>
+              <a:t>4</a:t>
+            </a:r>
+            <a:r>
+              <a:rPr lang="en-GB" sz="8800" b="1" dirty="0" smtClean="0"/>
+              <a:t>. </a:t>
+            </a:r>
+            <a:r>
+              <a:rPr lang="en-GB" sz="8800" b="1" dirty="0" err="1" smtClean="0"/>
+              <a:t>Miasà</a:t>
+            </a:r>
+            <a:r>
+              <a:rPr lang="en-GB" sz="8800" b="1" dirty="0" smtClean="0"/>
+              <a:t> </a:t>
             </a:r>
             <a:r>
               <a:rPr lang="en-GB" sz="8800" b="1" dirty="0" err="1"/>
               <a:t>sakaiza</a:t>
+            </a:r>
+            <a:r>
+              <a:rPr lang="en-GB" sz="8800" b="1" dirty="0"/>
+              <a:t/>
             </a:r>
             <a:br>
               <a:rPr lang="en-GB" sz="8800" b="1" dirty="0"/>
@@ -3479,6 +3495,10 @@
               <a:rPr lang="en-GB" sz="8800" b="1" dirty="0" err="1"/>
               <a:t>tsara</a:t>
             </a:r>
+            <a:r>
+              <a:rPr lang="en-GB" sz="8800" b="1" dirty="0"/>
+              <a:t/>
+            </a:r>
             <a:br>
               <a:rPr lang="en-GB" sz="8800" b="1" dirty="0"/>
             </a:br>
@@ -3501,6 +3521,10 @@
             <a:r>
               <a:rPr lang="en-GB" sz="8800" b="1" dirty="0" err="1"/>
               <a:t>asa</a:t>
+            </a:r>
+            <a:r>
+              <a:rPr lang="en-GB" sz="8800" b="1" dirty="0"/>
+              <a:t/>
             </a:r>
             <a:br>
               <a:rPr lang="en-GB" sz="8800" b="1" dirty="0"/>
@@ -3585,6 +3609,10 @@
               <a:rPr lang="en-GB" sz="8000" b="1" dirty="0" err="1"/>
               <a:t>sao</a:t>
             </a:r>
+            <a:r>
+              <a:rPr lang="fr-FR" sz="8000" b="1" dirty="0"/>
+              <a:t/>
+            </a:r>
             <a:br>
               <a:rPr lang="fr-FR" sz="8000" b="1" dirty="0"/>
             </a:br>
@@ -3608,6 +3636,10 @@
               <a:rPr lang="en-GB" sz="8000" b="1" dirty="0" err="1"/>
               <a:t>anjara</a:t>
             </a:r>
+            <a:r>
+              <a:rPr lang="fr-FR" sz="8000" b="1" dirty="0"/>
+              <a:t/>
+            </a:r>
             <a:br>
               <a:rPr lang="fr-FR" sz="8000" b="1" dirty="0"/>
             </a:br>
@@ -3626,6 +3658,10 @@
             <a:r>
               <a:rPr lang="en-GB" sz="8000" b="1" dirty="0" err="1"/>
               <a:t>napetraky</a:t>
+            </a:r>
+            <a:r>
+              <a:rPr lang="fr-FR" sz="8000" b="1" dirty="0"/>
+              <a:t/>
             </a:r>
             <a:br>
               <a:rPr lang="fr-FR" sz="8000" b="1" dirty="0"/>
@@ -3973,9 +4009,17 @@
           </a:bodyPr>
           <a:lstStyle/>
           <a:p>
+            <a:r>
+              <a:rPr lang="en-GB" dirty="0"/>
+              <a:t/>
+            </a:r>
             <a:br>
               <a:rPr lang="en-GB" dirty="0"/>
             </a:br>
+            <a:r>
+              <a:rPr lang="en-GB" dirty="0"/>
+              <a:t/>
+            </a:r>
             <a:br>
               <a:rPr lang="en-GB" dirty="0"/>
             </a:br>
@@ -3994,15 +4038,15 @@
               <a:rPr lang="en-GB" dirty="0"/>
             </a:br>
             <a:r>
-              <a:rPr lang="en-GB" sz="8000" b="1" dirty="0"/>
-              <a:t>1 .</a:t>
-            </a:r>
-            <a:r>
-              <a:rPr lang="en-GB" sz="8000" b="1" dirty="0" err="1"/>
+              <a:rPr lang="en-GB" sz="8000" b="1" dirty="0" smtClean="0"/>
+              <a:t>1. </a:t>
+            </a:r>
+            <a:r>
+              <a:rPr lang="en-GB" sz="8000" b="1" dirty="0" err="1" smtClean="0"/>
               <a:t>Mamafaza</a:t>
             </a:r>
             <a:r>
-              <a:rPr lang="en-GB" sz="8000" b="1" dirty="0"/>
+              <a:rPr lang="en-GB" sz="8000" b="1" dirty="0" smtClean="0"/>
               <a:t> </a:t>
             </a:r>
             <a:r>
@@ -4048,6 +4092,10 @@
               <a:rPr lang="en-GB" sz="8000" b="1" dirty="0" err="1"/>
               <a:t>malaina</a:t>
             </a:r>
+            <a:r>
+              <a:rPr lang="en-GB" sz="8000" b="1" dirty="0"/>
+              <a:t/>
+            </a:r>
             <a:br>
               <a:rPr lang="en-GB" sz="8000" b="1" dirty="0"/>
             </a:br>
@@ -4109,9 +4157,17 @@
             <a:br>
               <a:rPr lang="en-GB" dirty="0"/>
             </a:br>
+            <a:r>
+              <a:rPr lang="en-GB" dirty="0"/>
+              <a:t/>
+            </a:r>
             <a:br>
               <a:rPr lang="en-GB" dirty="0"/>
             </a:br>
+            <a:r>
+              <a:rPr lang="en-GB" dirty="0"/>
+              <a:t/>
+            </a:r>
             <a:br>
               <a:rPr lang="en-GB" dirty="0"/>
             </a:br>
@@ -4228,6 +4284,10 @@
               <a:rPr lang="en-GB" sz="7200" b="1" dirty="0" err="1"/>
               <a:t>maraina</a:t>
             </a:r>
+            <a:r>
+              <a:rPr lang="en-GB" sz="7200" b="1" dirty="0"/>
+              <a:t/>
+            </a:r>
             <a:br>
               <a:rPr lang="en-GB" sz="7200" b="1" dirty="0"/>
             </a:br>
@@ -4578,20 +4638,24 @@
           <a:lstStyle/>
           <a:p>
             <a:r>
-              <a:rPr lang="en-GB" sz="8000" b="1" dirty="0"/>
-              <a:t>2 .</a:t>
-            </a:r>
-            <a:r>
-              <a:rPr lang="en-GB" sz="8000" b="1" dirty="0" err="1"/>
+              <a:rPr lang="en-GB" sz="8000" b="1" dirty="0" smtClean="0"/>
+              <a:t>2. </a:t>
+            </a:r>
+            <a:r>
+              <a:rPr lang="en-GB" sz="8000" b="1" dirty="0" err="1" smtClean="0"/>
               <a:t>Mamafaza</a:t>
             </a:r>
             <a:r>
-              <a:rPr lang="en-GB" sz="8000" b="1" dirty="0"/>
+              <a:rPr lang="en-GB" sz="8000" b="1" dirty="0" smtClean="0"/>
               <a:t> </a:t>
             </a:r>
             <a:r>
               <a:rPr lang="en-GB" sz="8000" b="1" dirty="0" err="1"/>
               <a:t>voa</a:t>
+            </a:r>
+            <a:r>
+              <a:rPr lang="en-GB" sz="8000" b="1" dirty="0"/>
+              <a:t/>
             </a:r>
             <a:br>
               <a:rPr lang="en-GB" sz="8000" b="1" dirty="0"/>
@@ -4646,6 +4710,10 @@
             <a:r>
               <a:rPr lang="en-GB" sz="8000" b="1" dirty="0" err="1"/>
               <a:t>mifidy</a:t>
+            </a:r>
+            <a:r>
+              <a:rPr lang="en-GB" sz="8000" b="1" dirty="0"/>
+              <a:t/>
             </a:r>
             <a:br>
               <a:rPr lang="en-GB" sz="8000" b="1" dirty="0"/>
@@ -4741,6 +4809,10 @@
               <a:rPr lang="en-GB" sz="7200" b="1" dirty="0" err="1"/>
               <a:t>mazoto</a:t>
             </a:r>
+            <a:r>
+              <a:rPr lang="en-GB" sz="7200" b="1" dirty="0"/>
+              <a:t/>
+            </a:r>
             <a:br>
               <a:rPr lang="en-GB" sz="7200" b="1" dirty="0"/>
             </a:br>
@@ -4764,6 +4836,10 @@
               <a:rPr lang="en-GB" sz="7200" b="1" dirty="0" err="1"/>
               <a:t>antra</a:t>
             </a:r>
+            <a:r>
+              <a:rPr lang="en-GB" sz="7200" b="1" dirty="0"/>
+              <a:t/>
+            </a:r>
             <a:br>
               <a:rPr lang="en-GB" sz="7200" b="1" dirty="0"/>
             </a:br>
@@ -4790,6 +4866,10 @@
             <a:r>
               <a:rPr lang="en-GB" sz="7200" b="1" dirty="0" err="1"/>
               <a:t>Tompo</a:t>
+            </a:r>
+            <a:r>
+              <a:rPr lang="en-GB" sz="7200" b="1" dirty="0"/>
+              <a:t/>
             </a:r>
             <a:br>
               <a:rPr lang="en-GB" sz="7200" b="1" dirty="0"/>
@@ -5128,7 +5208,19 @@
           <a:p>
             <a:r>
               <a:rPr lang="en-GB" sz="8000" b="1" dirty="0"/>
-              <a:t>3.Mamafaza </a:t>
+              <a:t>3</a:t>
+            </a:r>
+            <a:r>
+              <a:rPr lang="en-GB" sz="8000" b="1" dirty="0" smtClean="0"/>
+              <a:t>. </a:t>
+            </a:r>
+            <a:r>
+              <a:rPr lang="en-GB" sz="8000" b="1" dirty="0" err="1" smtClean="0"/>
+              <a:t>Mamafaza</a:t>
+            </a:r>
+            <a:r>
+              <a:rPr lang="en-GB" sz="8000" b="1" dirty="0" smtClean="0"/>
+              <a:t> </a:t>
             </a:r>
             <a:r>
               <a:rPr lang="en-GB" sz="8000" b="1" dirty="0" err="1"/>
@@ -5191,6 +5283,10 @@
             <a:r>
               <a:rPr lang="en-GB" sz="8000" b="1" dirty="0" err="1"/>
               <a:t>zay</a:t>
+            </a:r>
+            <a:r>
+              <a:rPr lang="en-GB" sz="8000" b="1" dirty="0"/>
+              <a:t/>
             </a:r>
             <a:br>
               <a:rPr lang="en-GB" sz="8000" b="1" dirty="0"/>
@@ -5281,6 +5377,10 @@
             <a:r>
               <a:rPr lang="en-GB" sz="8800" b="1" dirty="0" err="1"/>
               <a:t>Jesosy</a:t>
+            </a:r>
+            <a:r>
+              <a:rPr lang="en-GB" sz="8800" b="1" dirty="0"/>
+              <a:t/>
             </a:r>
             <a:br>
               <a:rPr lang="en-GB" sz="8800" b="1" dirty="0"/>
